--- a/게임소프트웨어공학/게임 소프트웨어 공학 (실습 3).pptx
+++ b/게임소프트웨어공학/게임 소프트웨어 공학 (실습 3).pptx
@@ -5,7 +5,7 @@
     <p:sldMasterId id="2147483648" r:id="rId1"/>
   </p:sldMasterIdLst>
   <p:notesMasterIdLst>
-    <p:notesMasterId r:id="rId28"/>
+    <p:notesMasterId r:id="rId27"/>
   </p:notesMasterIdLst>
   <p:sldIdLst>
     <p:sldId id="256" r:id="rId2"/>
@@ -13,15 +13,15 @@
     <p:sldId id="291" r:id="rId4"/>
     <p:sldId id="289" r:id="rId5"/>
     <p:sldId id="290" r:id="rId6"/>
-    <p:sldId id="292" r:id="rId7"/>
-    <p:sldId id="262" r:id="rId8"/>
-    <p:sldId id="268" r:id="rId9"/>
-    <p:sldId id="269" r:id="rId10"/>
-    <p:sldId id="270" r:id="rId11"/>
-    <p:sldId id="271" r:id="rId12"/>
-    <p:sldId id="272" r:id="rId13"/>
-    <p:sldId id="286" r:id="rId14"/>
-    <p:sldId id="273" r:id="rId15"/>
+    <p:sldId id="293" r:id="rId7"/>
+    <p:sldId id="292" r:id="rId8"/>
+    <p:sldId id="272" r:id="rId9"/>
+    <p:sldId id="286" r:id="rId10"/>
+    <p:sldId id="273" r:id="rId11"/>
+    <p:sldId id="294" r:id="rId12"/>
+    <p:sldId id="269" r:id="rId13"/>
+    <p:sldId id="270" r:id="rId14"/>
+    <p:sldId id="271" r:id="rId15"/>
     <p:sldId id="274" r:id="rId16"/>
     <p:sldId id="275" r:id="rId17"/>
     <p:sldId id="276" r:id="rId18"/>
@@ -32,8 +32,7 @@
     <p:sldId id="281" r:id="rId23"/>
     <p:sldId id="282" r:id="rId24"/>
     <p:sldId id="284" r:id="rId25"/>
-    <p:sldId id="287" r:id="rId26"/>
-    <p:sldId id="283" r:id="rId27"/>
+    <p:sldId id="283" r:id="rId26"/>
   </p:sldIdLst>
   <p:sldSz cx="12192000" cy="6858000"/>
   <p:notesSz cx="6858000" cy="9144000"/>
@@ -134,10 +133,10 @@
   </p:defaultTextStyle>
   <p:extLst>
     <p:ext uri="{EFAFB233-063F-42B5-8137-9DF3F51BA10A}">
-      <p15:sldGuideLst xmlns:p15="http://schemas.microsoft.com/office/powerpoint/2012/main"/>
+      <p15:sldGuideLst xmlns:p15="http://schemas.microsoft.com/office/powerpoint/2012/main" xmlns=""/>
     </p:ext>
     <p:ext uri="{2D200454-40CA-4A62-9FC3-DE9A4176ACB9}">
-      <p15:notesGuideLst xmlns:p15="http://schemas.microsoft.com/office/powerpoint/2012/main"/>
+      <p15:notesGuideLst xmlns:p15="http://schemas.microsoft.com/office/powerpoint/2012/main" xmlns=""/>
     </p:ext>
   </p:extLst>
 </p:presentation>
@@ -225,7 +224,7 @@
           <a:p>
             <a:fld id="{B83E6ACC-2BC2-4696-B17F-58B7A0A446DF}" type="datetimeFigureOut">
               <a:rPr lang="ko-KR" altLang="en-US" smtClean="0"/>
-              <a:t>2019-09-19</a:t>
+              <a:t>2019-09-24</a:t>
             </a:fld>
             <a:endParaRPr lang="ko-KR" altLang="en-US"/>
           </a:p>
@@ -289,37 +288,38 @@
           <a:p>
             <a:pPr lvl="0"/>
             <a:r>
-              <a:rPr lang="ko-KR" altLang="en-US"/>
+              <a:rPr lang="ko-KR" altLang="en-US" smtClean="0"/>
               <a:t>마스터 텍스트 스타일을 편집합니다</a:t>
             </a:r>
           </a:p>
           <a:p>
             <a:pPr lvl="1"/>
             <a:r>
-              <a:rPr lang="ko-KR" altLang="en-US"/>
+              <a:rPr lang="ko-KR" altLang="en-US" smtClean="0"/>
               <a:t>둘째 수준</a:t>
             </a:r>
           </a:p>
           <a:p>
             <a:pPr lvl="2"/>
             <a:r>
-              <a:rPr lang="ko-KR" altLang="en-US"/>
+              <a:rPr lang="ko-KR" altLang="en-US" smtClean="0"/>
               <a:t>셋째 수준</a:t>
             </a:r>
           </a:p>
           <a:p>
             <a:pPr lvl="3"/>
             <a:r>
-              <a:rPr lang="ko-KR" altLang="en-US"/>
+              <a:rPr lang="ko-KR" altLang="en-US" smtClean="0"/>
               <a:t>넷째 수준</a:t>
             </a:r>
           </a:p>
           <a:p>
             <a:pPr lvl="4"/>
             <a:r>
-              <a:rPr lang="ko-KR" altLang="en-US"/>
+              <a:rPr lang="ko-KR" altLang="en-US" smtClean="0"/>
               <a:t>다섯째 수준</a:t>
             </a:r>
+            <a:endParaRPr lang="ko-KR" altLang="en-US"/>
           </a:p>
         </p:txBody>
       </p:sp>
@@ -534,9 +534,10 @@
           </a:lstStyle>
           <a:p>
             <a:r>
-              <a:rPr lang="ko-KR" altLang="en-US"/>
+              <a:rPr lang="ko-KR" altLang="en-US" smtClean="0"/>
               <a:t>마스터 제목 스타일 편집</a:t>
             </a:r>
+            <a:endParaRPr lang="ko-KR" altLang="en-US"/>
           </a:p>
         </p:txBody>
       </p:sp>
@@ -598,9 +599,10 @@
           </a:lstStyle>
           <a:p>
             <a:r>
-              <a:rPr lang="ko-KR" altLang="en-US"/>
+              <a:rPr lang="ko-KR" altLang="en-US" smtClean="0"/>
               <a:t>마스터 부제목 스타일 편집</a:t>
             </a:r>
+            <a:endParaRPr lang="ko-KR" altLang="en-US"/>
           </a:p>
         </p:txBody>
       </p:sp>
@@ -621,7 +623,7 @@
           <a:p>
             <a:fld id="{75886E34-028A-43C2-8D62-DB379F692A64}" type="datetimeFigureOut">
               <a:rPr lang="ko-KR" altLang="en-US" smtClean="0"/>
-              <a:t>2019-09-19</a:t>
+              <a:t>2019-09-24</a:t>
             </a:fld>
             <a:endParaRPr lang="ko-KR" altLang="en-US"/>
           </a:p>
@@ -715,9 +717,10 @@
           <a:lstStyle/>
           <a:p>
             <a:r>
-              <a:rPr lang="ko-KR" altLang="en-US"/>
+              <a:rPr lang="ko-KR" altLang="en-US" smtClean="0"/>
               <a:t>마스터 제목 스타일 편집</a:t>
             </a:r>
+            <a:endParaRPr lang="ko-KR" altLang="en-US"/>
           </a:p>
         </p:txBody>
       </p:sp>
@@ -738,37 +741,38 @@
           <a:p>
             <a:pPr lvl="0"/>
             <a:r>
-              <a:rPr lang="ko-KR" altLang="en-US"/>
+              <a:rPr lang="ko-KR" altLang="en-US" smtClean="0"/>
               <a:t>마스터 텍스트 스타일을 편집합니다</a:t>
             </a:r>
           </a:p>
           <a:p>
             <a:pPr lvl="1"/>
             <a:r>
-              <a:rPr lang="ko-KR" altLang="en-US"/>
+              <a:rPr lang="ko-KR" altLang="en-US" smtClean="0"/>
               <a:t>둘째 수준</a:t>
             </a:r>
           </a:p>
           <a:p>
             <a:pPr lvl="2"/>
             <a:r>
-              <a:rPr lang="ko-KR" altLang="en-US"/>
+              <a:rPr lang="ko-KR" altLang="en-US" smtClean="0"/>
               <a:t>셋째 수준</a:t>
             </a:r>
           </a:p>
           <a:p>
             <a:pPr lvl="3"/>
             <a:r>
-              <a:rPr lang="ko-KR" altLang="en-US"/>
+              <a:rPr lang="ko-KR" altLang="en-US" smtClean="0"/>
               <a:t>넷째 수준</a:t>
             </a:r>
           </a:p>
           <a:p>
             <a:pPr lvl="4"/>
             <a:r>
-              <a:rPr lang="ko-KR" altLang="en-US"/>
+              <a:rPr lang="ko-KR" altLang="en-US" smtClean="0"/>
               <a:t>다섯째 수준</a:t>
             </a:r>
+            <a:endParaRPr lang="ko-KR" altLang="en-US"/>
           </a:p>
         </p:txBody>
       </p:sp>
@@ -789,7 +793,7 @@
           <a:p>
             <a:fld id="{75886E34-028A-43C2-8D62-DB379F692A64}" type="datetimeFigureOut">
               <a:rPr lang="ko-KR" altLang="en-US" smtClean="0"/>
-              <a:t>2019-09-19</a:t>
+              <a:t>2019-09-24</a:t>
             </a:fld>
             <a:endParaRPr lang="ko-KR" altLang="en-US"/>
           </a:p>
@@ -888,9 +892,10 @@
           <a:lstStyle/>
           <a:p>
             <a:r>
-              <a:rPr lang="ko-KR" altLang="en-US"/>
+              <a:rPr lang="ko-KR" altLang="en-US" smtClean="0"/>
               <a:t>마스터 제목 스타일 편집</a:t>
             </a:r>
+            <a:endParaRPr lang="ko-KR" altLang="en-US"/>
           </a:p>
         </p:txBody>
       </p:sp>
@@ -916,37 +921,38 @@
           <a:p>
             <a:pPr lvl="0"/>
             <a:r>
-              <a:rPr lang="ko-KR" altLang="en-US"/>
+              <a:rPr lang="ko-KR" altLang="en-US" smtClean="0"/>
               <a:t>마스터 텍스트 스타일을 편집합니다</a:t>
             </a:r>
           </a:p>
           <a:p>
             <a:pPr lvl="1"/>
             <a:r>
-              <a:rPr lang="ko-KR" altLang="en-US"/>
+              <a:rPr lang="ko-KR" altLang="en-US" smtClean="0"/>
               <a:t>둘째 수준</a:t>
             </a:r>
           </a:p>
           <a:p>
             <a:pPr lvl="2"/>
             <a:r>
-              <a:rPr lang="ko-KR" altLang="en-US"/>
+              <a:rPr lang="ko-KR" altLang="en-US" smtClean="0"/>
               <a:t>셋째 수준</a:t>
             </a:r>
           </a:p>
           <a:p>
             <a:pPr lvl="3"/>
             <a:r>
-              <a:rPr lang="ko-KR" altLang="en-US"/>
+              <a:rPr lang="ko-KR" altLang="en-US" smtClean="0"/>
               <a:t>넷째 수준</a:t>
             </a:r>
           </a:p>
           <a:p>
             <a:pPr lvl="4"/>
             <a:r>
-              <a:rPr lang="ko-KR" altLang="en-US"/>
+              <a:rPr lang="ko-KR" altLang="en-US" smtClean="0"/>
               <a:t>다섯째 수준</a:t>
             </a:r>
+            <a:endParaRPr lang="ko-KR" altLang="en-US"/>
           </a:p>
         </p:txBody>
       </p:sp>
@@ -967,7 +973,7 @@
           <a:p>
             <a:fld id="{75886E34-028A-43C2-8D62-DB379F692A64}" type="datetimeFigureOut">
               <a:rPr lang="ko-KR" altLang="en-US" smtClean="0"/>
-              <a:t>2019-09-19</a:t>
+              <a:t>2019-09-24</a:t>
             </a:fld>
             <a:endParaRPr lang="ko-KR" altLang="en-US"/>
           </a:p>
@@ -1061,9 +1067,10 @@
           <a:lstStyle/>
           <a:p>
             <a:r>
-              <a:rPr lang="ko-KR" altLang="en-US"/>
+              <a:rPr lang="ko-KR" altLang="en-US" smtClean="0"/>
               <a:t>마스터 제목 스타일 편집</a:t>
             </a:r>
+            <a:endParaRPr lang="ko-KR" altLang="en-US"/>
           </a:p>
         </p:txBody>
       </p:sp>
@@ -1084,37 +1091,38 @@
           <a:p>
             <a:pPr lvl="0"/>
             <a:r>
-              <a:rPr lang="ko-KR" altLang="en-US"/>
+              <a:rPr lang="ko-KR" altLang="en-US" smtClean="0"/>
               <a:t>마스터 텍스트 스타일을 편집합니다</a:t>
             </a:r>
           </a:p>
           <a:p>
             <a:pPr lvl="1"/>
             <a:r>
-              <a:rPr lang="ko-KR" altLang="en-US"/>
+              <a:rPr lang="ko-KR" altLang="en-US" smtClean="0"/>
               <a:t>둘째 수준</a:t>
             </a:r>
           </a:p>
           <a:p>
             <a:pPr lvl="2"/>
             <a:r>
-              <a:rPr lang="ko-KR" altLang="en-US"/>
+              <a:rPr lang="ko-KR" altLang="en-US" smtClean="0"/>
               <a:t>셋째 수준</a:t>
             </a:r>
           </a:p>
           <a:p>
             <a:pPr lvl="3"/>
             <a:r>
-              <a:rPr lang="ko-KR" altLang="en-US"/>
+              <a:rPr lang="ko-KR" altLang="en-US" smtClean="0"/>
               <a:t>넷째 수준</a:t>
             </a:r>
           </a:p>
           <a:p>
             <a:pPr lvl="4"/>
             <a:r>
-              <a:rPr lang="ko-KR" altLang="en-US"/>
+              <a:rPr lang="ko-KR" altLang="en-US" smtClean="0"/>
               <a:t>다섯째 수준</a:t>
             </a:r>
+            <a:endParaRPr lang="ko-KR" altLang="en-US"/>
           </a:p>
         </p:txBody>
       </p:sp>
@@ -1135,7 +1143,7 @@
           <a:p>
             <a:fld id="{75886E34-028A-43C2-8D62-DB379F692A64}" type="datetimeFigureOut">
               <a:rPr lang="ko-KR" altLang="en-US" smtClean="0"/>
-              <a:t>2019-09-19</a:t>
+              <a:t>2019-09-24</a:t>
             </a:fld>
             <a:endParaRPr lang="ko-KR" altLang="en-US"/>
           </a:p>
@@ -1238,9 +1246,10 @@
           </a:lstStyle>
           <a:p>
             <a:r>
-              <a:rPr lang="ko-KR" altLang="en-US"/>
+              <a:rPr lang="ko-KR" altLang="en-US" smtClean="0"/>
               <a:t>마스터 제목 스타일 편집</a:t>
             </a:r>
+            <a:endParaRPr lang="ko-KR" altLang="en-US"/>
           </a:p>
         </p:txBody>
       </p:sp>
@@ -1357,7 +1366,7 @@
           <a:p>
             <a:pPr lvl="0"/>
             <a:r>
-              <a:rPr lang="ko-KR" altLang="en-US"/>
+              <a:rPr lang="ko-KR" altLang="en-US" smtClean="0"/>
               <a:t>마스터 텍스트 스타일을 편집합니다</a:t>
             </a:r>
           </a:p>
@@ -1380,7 +1389,7 @@
           <a:p>
             <a:fld id="{75886E34-028A-43C2-8D62-DB379F692A64}" type="datetimeFigureOut">
               <a:rPr lang="ko-KR" altLang="en-US" smtClean="0"/>
-              <a:t>2019-09-19</a:t>
+              <a:t>2019-09-24</a:t>
             </a:fld>
             <a:endParaRPr lang="ko-KR" altLang="en-US"/>
           </a:p>
@@ -1474,9 +1483,10 @@
           <a:lstStyle/>
           <a:p>
             <a:r>
-              <a:rPr lang="ko-KR" altLang="en-US"/>
+              <a:rPr lang="ko-KR" altLang="en-US" smtClean="0"/>
               <a:t>마스터 제목 스타일 편집</a:t>
             </a:r>
+            <a:endParaRPr lang="ko-KR" altLang="en-US"/>
           </a:p>
         </p:txBody>
       </p:sp>
@@ -1502,37 +1512,38 @@
           <a:p>
             <a:pPr lvl="0"/>
             <a:r>
-              <a:rPr lang="ko-KR" altLang="en-US"/>
+              <a:rPr lang="ko-KR" altLang="en-US" smtClean="0"/>
               <a:t>마스터 텍스트 스타일을 편집합니다</a:t>
             </a:r>
           </a:p>
           <a:p>
             <a:pPr lvl="1"/>
             <a:r>
-              <a:rPr lang="ko-KR" altLang="en-US"/>
+              <a:rPr lang="ko-KR" altLang="en-US" smtClean="0"/>
               <a:t>둘째 수준</a:t>
             </a:r>
           </a:p>
           <a:p>
             <a:pPr lvl="2"/>
             <a:r>
-              <a:rPr lang="ko-KR" altLang="en-US"/>
+              <a:rPr lang="ko-KR" altLang="en-US" smtClean="0"/>
               <a:t>셋째 수준</a:t>
             </a:r>
           </a:p>
           <a:p>
             <a:pPr lvl="3"/>
             <a:r>
-              <a:rPr lang="ko-KR" altLang="en-US"/>
+              <a:rPr lang="ko-KR" altLang="en-US" smtClean="0"/>
               <a:t>넷째 수준</a:t>
             </a:r>
           </a:p>
           <a:p>
             <a:pPr lvl="4"/>
             <a:r>
-              <a:rPr lang="ko-KR" altLang="en-US"/>
+              <a:rPr lang="ko-KR" altLang="en-US" smtClean="0"/>
               <a:t>다섯째 수준</a:t>
             </a:r>
+            <a:endParaRPr lang="ko-KR" altLang="en-US"/>
           </a:p>
         </p:txBody>
       </p:sp>
@@ -1558,37 +1569,38 @@
           <a:p>
             <a:pPr lvl="0"/>
             <a:r>
-              <a:rPr lang="ko-KR" altLang="en-US"/>
+              <a:rPr lang="ko-KR" altLang="en-US" smtClean="0"/>
               <a:t>마스터 텍스트 스타일을 편집합니다</a:t>
             </a:r>
           </a:p>
           <a:p>
             <a:pPr lvl="1"/>
             <a:r>
-              <a:rPr lang="ko-KR" altLang="en-US"/>
+              <a:rPr lang="ko-KR" altLang="en-US" smtClean="0"/>
               <a:t>둘째 수준</a:t>
             </a:r>
           </a:p>
           <a:p>
             <a:pPr lvl="2"/>
             <a:r>
-              <a:rPr lang="ko-KR" altLang="en-US"/>
+              <a:rPr lang="ko-KR" altLang="en-US" smtClean="0"/>
               <a:t>셋째 수준</a:t>
             </a:r>
           </a:p>
           <a:p>
             <a:pPr lvl="3"/>
             <a:r>
-              <a:rPr lang="ko-KR" altLang="en-US"/>
+              <a:rPr lang="ko-KR" altLang="en-US" smtClean="0"/>
               <a:t>넷째 수준</a:t>
             </a:r>
           </a:p>
           <a:p>
             <a:pPr lvl="4"/>
             <a:r>
-              <a:rPr lang="ko-KR" altLang="en-US"/>
+              <a:rPr lang="ko-KR" altLang="en-US" smtClean="0"/>
               <a:t>다섯째 수준</a:t>
             </a:r>
+            <a:endParaRPr lang="ko-KR" altLang="en-US"/>
           </a:p>
         </p:txBody>
       </p:sp>
@@ -1609,7 +1621,7 @@
           <a:p>
             <a:fld id="{75886E34-028A-43C2-8D62-DB379F692A64}" type="datetimeFigureOut">
               <a:rPr lang="ko-KR" altLang="en-US" smtClean="0"/>
-              <a:t>2019-09-19</a:t>
+              <a:t>2019-09-24</a:t>
             </a:fld>
             <a:endParaRPr lang="ko-KR" altLang="en-US"/>
           </a:p>
@@ -1708,9 +1720,10 @@
           <a:lstStyle/>
           <a:p>
             <a:r>
-              <a:rPr lang="ko-KR" altLang="en-US"/>
+              <a:rPr lang="ko-KR" altLang="en-US" smtClean="0"/>
               <a:t>마스터 제목 스타일 편집</a:t>
             </a:r>
+            <a:endParaRPr lang="ko-KR" altLang="en-US"/>
           </a:p>
         </p:txBody>
       </p:sp>
@@ -1773,7 +1786,7 @@
           <a:p>
             <a:pPr lvl="0"/>
             <a:r>
-              <a:rPr lang="ko-KR" altLang="en-US"/>
+              <a:rPr lang="ko-KR" altLang="en-US" smtClean="0"/>
               <a:t>마스터 텍스트 스타일을 편집합니다</a:t>
             </a:r>
           </a:p>
@@ -1801,37 +1814,38 @@
           <a:p>
             <a:pPr lvl="0"/>
             <a:r>
-              <a:rPr lang="ko-KR" altLang="en-US"/>
+              <a:rPr lang="ko-KR" altLang="en-US" smtClean="0"/>
               <a:t>마스터 텍스트 스타일을 편집합니다</a:t>
             </a:r>
           </a:p>
           <a:p>
             <a:pPr lvl="1"/>
             <a:r>
-              <a:rPr lang="ko-KR" altLang="en-US"/>
+              <a:rPr lang="ko-KR" altLang="en-US" smtClean="0"/>
               <a:t>둘째 수준</a:t>
             </a:r>
           </a:p>
           <a:p>
             <a:pPr lvl="2"/>
             <a:r>
-              <a:rPr lang="ko-KR" altLang="en-US"/>
+              <a:rPr lang="ko-KR" altLang="en-US" smtClean="0"/>
               <a:t>셋째 수준</a:t>
             </a:r>
           </a:p>
           <a:p>
             <a:pPr lvl="3"/>
             <a:r>
-              <a:rPr lang="ko-KR" altLang="en-US"/>
+              <a:rPr lang="ko-KR" altLang="en-US" smtClean="0"/>
               <a:t>넷째 수준</a:t>
             </a:r>
           </a:p>
           <a:p>
             <a:pPr lvl="4"/>
             <a:r>
-              <a:rPr lang="ko-KR" altLang="en-US"/>
+              <a:rPr lang="ko-KR" altLang="en-US" smtClean="0"/>
               <a:t>다섯째 수준</a:t>
             </a:r>
+            <a:endParaRPr lang="ko-KR" altLang="en-US"/>
           </a:p>
         </p:txBody>
       </p:sp>
@@ -1894,7 +1908,7 @@
           <a:p>
             <a:pPr lvl="0"/>
             <a:r>
-              <a:rPr lang="ko-KR" altLang="en-US"/>
+              <a:rPr lang="ko-KR" altLang="en-US" smtClean="0"/>
               <a:t>마스터 텍스트 스타일을 편집합니다</a:t>
             </a:r>
           </a:p>
@@ -1922,37 +1936,38 @@
           <a:p>
             <a:pPr lvl="0"/>
             <a:r>
-              <a:rPr lang="ko-KR" altLang="en-US"/>
+              <a:rPr lang="ko-KR" altLang="en-US" smtClean="0"/>
               <a:t>마스터 텍스트 스타일을 편집합니다</a:t>
             </a:r>
           </a:p>
           <a:p>
             <a:pPr lvl="1"/>
             <a:r>
-              <a:rPr lang="ko-KR" altLang="en-US"/>
+              <a:rPr lang="ko-KR" altLang="en-US" smtClean="0"/>
               <a:t>둘째 수준</a:t>
             </a:r>
           </a:p>
           <a:p>
             <a:pPr lvl="2"/>
             <a:r>
-              <a:rPr lang="ko-KR" altLang="en-US"/>
+              <a:rPr lang="ko-KR" altLang="en-US" smtClean="0"/>
               <a:t>셋째 수준</a:t>
             </a:r>
           </a:p>
           <a:p>
             <a:pPr lvl="3"/>
             <a:r>
-              <a:rPr lang="ko-KR" altLang="en-US"/>
+              <a:rPr lang="ko-KR" altLang="en-US" smtClean="0"/>
               <a:t>넷째 수준</a:t>
             </a:r>
           </a:p>
           <a:p>
             <a:pPr lvl="4"/>
             <a:r>
-              <a:rPr lang="ko-KR" altLang="en-US"/>
+              <a:rPr lang="ko-KR" altLang="en-US" smtClean="0"/>
               <a:t>다섯째 수준</a:t>
             </a:r>
+            <a:endParaRPr lang="ko-KR" altLang="en-US"/>
           </a:p>
         </p:txBody>
       </p:sp>
@@ -1973,7 +1988,7 @@
           <a:p>
             <a:fld id="{75886E34-028A-43C2-8D62-DB379F692A64}" type="datetimeFigureOut">
               <a:rPr lang="ko-KR" altLang="en-US" smtClean="0"/>
-              <a:t>2019-09-19</a:t>
+              <a:t>2019-09-24</a:t>
             </a:fld>
             <a:endParaRPr lang="ko-KR" altLang="en-US"/>
           </a:p>
@@ -2067,9 +2082,10 @@
           <a:lstStyle/>
           <a:p>
             <a:r>
-              <a:rPr lang="ko-KR" altLang="en-US"/>
+              <a:rPr lang="ko-KR" altLang="en-US" smtClean="0"/>
               <a:t>마스터 제목 스타일 편집</a:t>
             </a:r>
+            <a:endParaRPr lang="ko-KR" altLang="en-US"/>
           </a:p>
         </p:txBody>
       </p:sp>
@@ -2090,7 +2106,7 @@
           <a:p>
             <a:fld id="{75886E34-028A-43C2-8D62-DB379F692A64}" type="datetimeFigureOut">
               <a:rPr lang="ko-KR" altLang="en-US" smtClean="0"/>
-              <a:t>2019-09-19</a:t>
+              <a:t>2019-09-24</a:t>
             </a:fld>
             <a:endParaRPr lang="ko-KR" altLang="en-US"/>
           </a:p>
@@ -2185,7 +2201,7 @@
           <a:p>
             <a:fld id="{75886E34-028A-43C2-8D62-DB379F692A64}" type="datetimeFigureOut">
               <a:rPr lang="ko-KR" altLang="en-US" smtClean="0"/>
-              <a:t>2019-09-19</a:t>
+              <a:t>2019-09-24</a:t>
             </a:fld>
             <a:endParaRPr lang="ko-KR" altLang="en-US"/>
           </a:p>
@@ -2288,9 +2304,10 @@
           </a:lstStyle>
           <a:p>
             <a:r>
-              <a:rPr lang="ko-KR" altLang="en-US"/>
+              <a:rPr lang="ko-KR" altLang="en-US" smtClean="0"/>
               <a:t>마스터 제목 스타일 편집</a:t>
             </a:r>
+            <a:endParaRPr lang="ko-KR" altLang="en-US"/>
           </a:p>
         </p:txBody>
       </p:sp>
@@ -2344,37 +2361,38 @@
           <a:p>
             <a:pPr lvl="0"/>
             <a:r>
-              <a:rPr lang="ko-KR" altLang="en-US"/>
+              <a:rPr lang="ko-KR" altLang="en-US" smtClean="0"/>
               <a:t>마스터 텍스트 스타일을 편집합니다</a:t>
             </a:r>
           </a:p>
           <a:p>
             <a:pPr lvl="1"/>
             <a:r>
-              <a:rPr lang="ko-KR" altLang="en-US"/>
+              <a:rPr lang="ko-KR" altLang="en-US" smtClean="0"/>
               <a:t>둘째 수준</a:t>
             </a:r>
           </a:p>
           <a:p>
             <a:pPr lvl="2"/>
             <a:r>
-              <a:rPr lang="ko-KR" altLang="en-US"/>
+              <a:rPr lang="ko-KR" altLang="en-US" smtClean="0"/>
               <a:t>셋째 수준</a:t>
             </a:r>
           </a:p>
           <a:p>
             <a:pPr lvl="3"/>
             <a:r>
-              <a:rPr lang="ko-KR" altLang="en-US"/>
+              <a:rPr lang="ko-KR" altLang="en-US" smtClean="0"/>
               <a:t>넷째 수준</a:t>
             </a:r>
           </a:p>
           <a:p>
             <a:pPr lvl="4"/>
             <a:r>
-              <a:rPr lang="ko-KR" altLang="en-US"/>
+              <a:rPr lang="ko-KR" altLang="en-US" smtClean="0"/>
               <a:t>다섯째 수준</a:t>
             </a:r>
+            <a:endParaRPr lang="ko-KR" altLang="en-US"/>
           </a:p>
         </p:txBody>
       </p:sp>
@@ -2437,7 +2455,7 @@
           <a:p>
             <a:pPr lvl="0"/>
             <a:r>
-              <a:rPr lang="ko-KR" altLang="en-US"/>
+              <a:rPr lang="ko-KR" altLang="en-US" smtClean="0"/>
               <a:t>마스터 텍스트 스타일을 편집합니다</a:t>
             </a:r>
           </a:p>
@@ -2460,7 +2478,7 @@
           <a:p>
             <a:fld id="{75886E34-028A-43C2-8D62-DB379F692A64}" type="datetimeFigureOut">
               <a:rPr lang="ko-KR" altLang="en-US" smtClean="0"/>
-              <a:t>2019-09-19</a:t>
+              <a:t>2019-09-24</a:t>
             </a:fld>
             <a:endParaRPr lang="ko-KR" altLang="en-US"/>
           </a:p>
@@ -2563,9 +2581,10 @@
           </a:lstStyle>
           <a:p>
             <a:r>
-              <a:rPr lang="ko-KR" altLang="en-US"/>
+              <a:rPr lang="ko-KR" altLang="en-US" smtClean="0"/>
               <a:t>마스터 제목 스타일 편집</a:t>
             </a:r>
+            <a:endParaRPr lang="ko-KR" altLang="en-US"/>
           </a:p>
         </p:txBody>
       </p:sp>
@@ -2689,7 +2708,7 @@
           <a:p>
             <a:pPr lvl="0"/>
             <a:r>
-              <a:rPr lang="ko-KR" altLang="en-US"/>
+              <a:rPr lang="ko-KR" altLang="en-US" smtClean="0"/>
               <a:t>마스터 텍스트 스타일을 편집합니다</a:t>
             </a:r>
           </a:p>
@@ -2712,7 +2731,7 @@
           <a:p>
             <a:fld id="{75886E34-028A-43C2-8D62-DB379F692A64}" type="datetimeFigureOut">
               <a:rPr lang="ko-KR" altLang="en-US" smtClean="0"/>
-              <a:t>2019-09-19</a:t>
+              <a:t>2019-09-24</a:t>
             </a:fld>
             <a:endParaRPr lang="ko-KR" altLang="en-US"/>
           </a:p>
@@ -2821,9 +2840,10 @@
           <a:lstStyle/>
           <a:p>
             <a:r>
-              <a:rPr lang="ko-KR" altLang="en-US"/>
+              <a:rPr lang="ko-KR" altLang="en-US" smtClean="0"/>
               <a:t>마스터 제목 스타일 편집</a:t>
             </a:r>
+            <a:endParaRPr lang="ko-KR" altLang="en-US"/>
           </a:p>
         </p:txBody>
       </p:sp>
@@ -2854,37 +2874,38 @@
           <a:p>
             <a:pPr lvl="0"/>
             <a:r>
-              <a:rPr lang="ko-KR" altLang="en-US" dirty="0"/>
+              <a:rPr lang="ko-KR" altLang="en-US" dirty="0" smtClean="0"/>
               <a:t>마스터 텍스트 스타일을 편집합니다</a:t>
             </a:r>
           </a:p>
           <a:p>
             <a:pPr lvl="1"/>
             <a:r>
-              <a:rPr lang="ko-KR" altLang="en-US" dirty="0"/>
+              <a:rPr lang="ko-KR" altLang="en-US" dirty="0" smtClean="0"/>
               <a:t>둘째 수준</a:t>
             </a:r>
           </a:p>
           <a:p>
             <a:pPr lvl="2"/>
             <a:r>
-              <a:rPr lang="ko-KR" altLang="en-US" dirty="0"/>
+              <a:rPr lang="ko-KR" altLang="en-US" dirty="0" smtClean="0"/>
               <a:t>셋째 수준</a:t>
             </a:r>
           </a:p>
           <a:p>
             <a:pPr lvl="3"/>
             <a:r>
-              <a:rPr lang="ko-KR" altLang="en-US" dirty="0"/>
+              <a:rPr lang="ko-KR" altLang="en-US" dirty="0" smtClean="0"/>
               <a:t>넷째 수준</a:t>
             </a:r>
           </a:p>
           <a:p>
             <a:pPr lvl="4"/>
             <a:r>
-              <a:rPr lang="ko-KR" altLang="en-US" dirty="0"/>
+              <a:rPr lang="ko-KR" altLang="en-US" dirty="0" smtClean="0"/>
               <a:t>다섯째 수준</a:t>
             </a:r>
+            <a:endParaRPr lang="ko-KR" altLang="en-US" dirty="0"/>
           </a:p>
         </p:txBody>
       </p:sp>
@@ -2923,7 +2944,7 @@
           <a:p>
             <a:fld id="{75886E34-028A-43C2-8D62-DB379F692A64}" type="datetimeFigureOut">
               <a:rPr lang="ko-KR" altLang="en-US" smtClean="0"/>
-              <a:t>2019-09-19</a:t>
+              <a:t>2019-09-24</a:t>
             </a:fld>
             <a:endParaRPr lang="ko-KR" altLang="en-US"/>
           </a:p>
@@ -3344,18 +3365,22 @@
           <a:lstStyle/>
           <a:p>
             <a:r>
-              <a:rPr lang="ko-KR" altLang="en-US" dirty="0"/>
+              <a:rPr lang="ko-KR" altLang="en-US" dirty="0" smtClean="0"/>
               <a:t>게임 소프트웨어 공학</a:t>
             </a:r>
+            <a:r>
+              <a:rPr lang="en-US" altLang="ko-KR" dirty="0" smtClean="0"/>
+              <a:t/>
+            </a:r>
             <a:br>
-              <a:rPr lang="en-US" altLang="ko-KR" dirty="0"/>
+              <a:rPr lang="en-US" altLang="ko-KR" dirty="0" smtClean="0"/>
             </a:br>
             <a:r>
-              <a:rPr lang="ko-KR" altLang="en-US" dirty="0"/>
+              <a:rPr lang="ko-KR" altLang="en-US" dirty="0" smtClean="0"/>
               <a:t>실습 </a:t>
             </a:r>
             <a:r>
-              <a:rPr lang="en-US" altLang="ko-KR" dirty="0"/>
+              <a:rPr lang="en-US" altLang="ko-KR" dirty="0" smtClean="0"/>
               <a:t>3</a:t>
             </a:r>
             <a:endParaRPr lang="ko-KR" altLang="en-US" dirty="0"/>
@@ -3378,21 +3403,21 @@
           <a:lstStyle/>
           <a:p>
             <a:r>
-              <a:rPr lang="ko-KR" altLang="en-US" dirty="0"/>
+              <a:rPr lang="ko-KR" altLang="en-US" dirty="0" smtClean="0"/>
               <a:t>산업기술대학교</a:t>
             </a:r>
-            <a:endParaRPr lang="en-US" altLang="ko-KR" dirty="0"/>
-          </a:p>
-          <a:p>
-            <a:r>
-              <a:rPr lang="ko-KR" altLang="en-US" dirty="0"/>
+            <a:endParaRPr lang="en-US" altLang="ko-KR" dirty="0" smtClean="0"/>
+          </a:p>
+          <a:p>
+            <a:r>
+              <a:rPr lang="ko-KR" altLang="en-US" dirty="0" smtClean="0"/>
               <a:t>게임공학부</a:t>
             </a:r>
-            <a:endParaRPr lang="en-US" altLang="ko-KR" dirty="0"/>
-          </a:p>
-          <a:p>
-            <a:r>
-              <a:rPr lang="ko-KR" altLang="en-US" dirty="0" err="1"/>
+            <a:endParaRPr lang="en-US" altLang="ko-KR" dirty="0" smtClean="0"/>
+          </a:p>
+          <a:p>
+            <a:r>
+              <a:rPr lang="ko-KR" altLang="en-US" dirty="0" err="1" smtClean="0"/>
               <a:t>이택희</a:t>
             </a:r>
             <a:endParaRPr lang="ko-KR" altLang="en-US" dirty="0"/>
@@ -3429,6 +3454,30 @@
           <a:chExt cx="0" cy="0"/>
         </a:xfrm>
       </p:grpSpPr>
+      <p:pic>
+        <p:nvPicPr>
+          <p:cNvPr id="3" name="그림 2"/>
+          <p:cNvPicPr>
+            <a:picLocks noChangeAspect="1"/>
+          </p:cNvPicPr>
+          <p:nvPr/>
+        </p:nvPicPr>
+        <p:blipFill>
+          <a:blip r:embed="rId2"/>
+          <a:stretch>
+            <a:fillRect/>
+          </a:stretch>
+        </p:blipFill>
+        <p:spPr>
+          <a:xfrm>
+            <a:off x="119062" y="1724025"/>
+            <a:ext cx="11953875" cy="3409950"/>
+          </a:xfrm>
+          <a:prstGeom prst="rect">
+            <a:avLst/>
+          </a:prstGeom>
+        </p:spPr>
+      </p:pic>
       <p:sp>
         <p:nvSpPr>
           <p:cNvPr id="4" name="제목 3"/>
@@ -3454,6 +3503,310 @@
             </a:r>
             <a:r>
               <a:rPr lang="ko-KR" altLang="en-US" dirty="0"/>
+              <a:t>환경 </a:t>
+            </a:r>
+            <a:r>
+              <a:rPr lang="ko-KR" altLang="en-US" dirty="0" smtClean="0"/>
+              <a:t>설정</a:t>
+            </a:r>
+            <a:endParaRPr lang="ko-KR" altLang="en-US" dirty="0"/>
+          </a:p>
+        </p:txBody>
+      </p:sp>
+      <p:sp>
+        <p:nvSpPr>
+          <p:cNvPr id="6" name="오른쪽 화살표 5"/>
+          <p:cNvSpPr/>
+          <p:nvPr/>
+        </p:nvSpPr>
+        <p:spPr>
+          <a:xfrm>
+            <a:off x="9693729" y="4078854"/>
+            <a:ext cx="580571" cy="516392"/>
+          </a:xfrm>
+          <a:prstGeom prst="rightArrow">
+            <a:avLst/>
+          </a:prstGeom>
+          <a:solidFill>
+            <a:srgbClr val="FF0000"/>
+          </a:solidFill>
+        </p:spPr>
+        <p:style>
+          <a:lnRef idx="2">
+            <a:schemeClr val="accent1">
+              <a:shade val="50000"/>
+            </a:schemeClr>
+          </a:lnRef>
+          <a:fillRef idx="1">
+            <a:schemeClr val="accent1"/>
+          </a:fillRef>
+          <a:effectRef idx="0">
+            <a:schemeClr val="accent1"/>
+          </a:effectRef>
+          <a:fontRef idx="minor">
+            <a:schemeClr val="lt1"/>
+          </a:fontRef>
+        </p:style>
+        <p:txBody>
+          <a:bodyPr rtlCol="0" anchor="ctr"/>
+          <a:lstStyle/>
+          <a:p>
+            <a:pPr algn="ctr"/>
+            <a:endParaRPr lang="ko-KR" altLang="en-US"/>
+          </a:p>
+        </p:txBody>
+      </p:sp>
+      <p:sp>
+        <p:nvSpPr>
+          <p:cNvPr id="7" name="TextBox 6"/>
+          <p:cNvSpPr txBox="1"/>
+          <p:nvPr/>
+        </p:nvSpPr>
+        <p:spPr>
+          <a:xfrm>
+            <a:off x="3468915" y="4078854"/>
+            <a:ext cx="6224814" cy="584775"/>
+          </a:xfrm>
+          <a:prstGeom prst="rect">
+            <a:avLst/>
+          </a:prstGeom>
+          <a:noFill/>
+        </p:spPr>
+        <p:txBody>
+          <a:bodyPr wrap="square" rtlCol="0">
+            <a:spAutoFit/>
+          </a:bodyPr>
+          <a:lstStyle/>
+          <a:p>
+            <a:r>
+              <a:rPr lang="ko-KR" altLang="en-US" sz="3200" b="1" dirty="0" smtClean="0">
+                <a:effectLst>
+                  <a:outerShdw blurRad="38100" dist="38100" dir="2700000" algn="tl">
+                    <a:srgbClr val="000000">
+                      <a:alpha val="43137"/>
+                    </a:srgbClr>
+                  </a:outerShdw>
+                </a:effectLst>
+              </a:rPr>
+              <a:t>자신의 </a:t>
+            </a:r>
+            <a:r>
+              <a:rPr lang="en-US" altLang="ko-KR" sz="3200" b="1" dirty="0" smtClean="0">
+                <a:effectLst>
+                  <a:outerShdw blurRad="38100" dist="38100" dir="2700000" algn="tl">
+                    <a:srgbClr val="000000">
+                      <a:alpha val="43137"/>
+                    </a:srgbClr>
+                  </a:outerShdw>
+                </a:effectLst>
+              </a:rPr>
+              <a:t>remote repo </a:t>
+            </a:r>
+            <a:r>
+              <a:rPr lang="ko-KR" altLang="en-US" sz="3200" b="1" dirty="0" smtClean="0">
+                <a:effectLst>
+                  <a:outerShdw blurRad="38100" dist="38100" dir="2700000" algn="tl">
+                    <a:srgbClr val="000000">
+                      <a:alpha val="43137"/>
+                    </a:srgbClr>
+                  </a:outerShdw>
+                </a:effectLst>
+              </a:rPr>
+              <a:t>주소 복사</a:t>
+            </a:r>
+            <a:endParaRPr lang="ko-KR" altLang="en-US" sz="3200" b="1" dirty="0">
+              <a:effectLst>
+                <a:outerShdw blurRad="38100" dist="38100" dir="2700000" algn="tl">
+                  <a:srgbClr val="000000">
+                    <a:alpha val="43137"/>
+                  </a:srgbClr>
+                </a:outerShdw>
+              </a:effectLst>
+            </a:endParaRPr>
+          </a:p>
+        </p:txBody>
+      </p:sp>
+    </p:spTree>
+    <p:extLst>
+      <p:ext uri="{BB962C8B-B14F-4D97-AF65-F5344CB8AC3E}">
+        <p14:creationId xmlns:p14="http://schemas.microsoft.com/office/powerpoint/2010/main" val="2718893539"/>
+      </p:ext>
+    </p:extLst>
+  </p:cSld>
+  <p:clrMapOvr>
+    <a:masterClrMapping/>
+  </p:clrMapOvr>
+</p:sld>
+</file>
+
+<file path=ppt/slides/slide11.xml><?xml version="1.0" encoding="utf-8"?>
+<p:sld xmlns:a="http://schemas.openxmlformats.org/drawingml/2006/main" xmlns:r="http://schemas.openxmlformats.org/officeDocument/2006/relationships" xmlns:p="http://schemas.openxmlformats.org/presentationml/2006/main">
+  <p:cSld>
+    <p:spTree>
+      <p:nvGrpSpPr>
+        <p:cNvPr id="1" name=""/>
+        <p:cNvGrpSpPr/>
+        <p:nvPr/>
+      </p:nvGrpSpPr>
+      <p:grpSpPr>
+        <a:xfrm>
+          <a:off x="0" y="0"/>
+          <a:ext cx="0" cy="0"/>
+          <a:chOff x="0" y="0"/>
+          <a:chExt cx="0" cy="0"/>
+        </a:xfrm>
+      </p:grpSpPr>
+      <p:sp>
+        <p:nvSpPr>
+          <p:cNvPr id="2" name="제목 1"/>
+          <p:cNvSpPr>
+            <a:spLocks noGrp="1"/>
+          </p:cNvSpPr>
+          <p:nvPr>
+            <p:ph type="title"/>
+          </p:nvPr>
+        </p:nvSpPr>
+        <p:spPr/>
+        <p:txBody>
+          <a:bodyPr/>
+          <a:lstStyle/>
+          <a:p>
+            <a:r>
+              <a:rPr lang="en-US" altLang="ko-KR" dirty="0" err="1"/>
+              <a:t>Git</a:t>
+            </a:r>
+            <a:r>
+              <a:rPr lang="en-US" altLang="ko-KR" dirty="0"/>
+              <a:t> </a:t>
+            </a:r>
+            <a:r>
+              <a:rPr lang="ko-KR" altLang="en-US" dirty="0"/>
+              <a:t>환경 설정</a:t>
+            </a:r>
+          </a:p>
+        </p:txBody>
+      </p:sp>
+      <p:sp>
+        <p:nvSpPr>
+          <p:cNvPr id="3" name="내용 개체 틀 2"/>
+          <p:cNvSpPr>
+            <a:spLocks noGrp="1"/>
+          </p:cNvSpPr>
+          <p:nvPr>
+            <p:ph idx="1"/>
+          </p:nvPr>
+        </p:nvSpPr>
+        <p:spPr/>
+        <p:txBody>
+          <a:bodyPr/>
+          <a:lstStyle/>
+          <a:p>
+            <a:r>
+              <a:rPr lang="en-US" altLang="ko-KR" dirty="0" err="1" smtClean="0"/>
+              <a:t>Eclass</a:t>
+            </a:r>
+            <a:r>
+              <a:rPr lang="en-US" altLang="ko-KR" dirty="0" smtClean="0"/>
+              <a:t> </a:t>
+            </a:r>
+            <a:r>
+              <a:rPr lang="ko-KR" altLang="en-US" dirty="0" smtClean="0"/>
+              <a:t>에 과제 오픈 되어 있음</a:t>
+            </a:r>
+            <a:endParaRPr lang="en-US" altLang="ko-KR" dirty="0" smtClean="0"/>
+          </a:p>
+          <a:p>
+            <a:endParaRPr lang="en-US" altLang="ko-KR" dirty="0"/>
+          </a:p>
+          <a:p>
+            <a:pPr lvl="1"/>
+            <a:r>
+              <a:rPr lang="ko-KR" altLang="en-US" dirty="0" smtClean="0"/>
+              <a:t>복사된 </a:t>
+            </a:r>
+            <a:r>
+              <a:rPr lang="en-US" altLang="ko-KR" dirty="0" err="1" smtClean="0"/>
+              <a:t>gitlab</a:t>
+            </a:r>
+            <a:r>
+              <a:rPr lang="en-US" altLang="ko-KR" dirty="0" smtClean="0"/>
+              <a:t> </a:t>
+            </a:r>
+            <a:r>
+              <a:rPr lang="ko-KR" altLang="en-US" dirty="0" smtClean="0"/>
+              <a:t>주소만 적어서 제출</a:t>
+            </a:r>
+            <a:endParaRPr lang="en-US" altLang="ko-KR" dirty="0" smtClean="0"/>
+          </a:p>
+          <a:p>
+            <a:pPr lvl="2"/>
+            <a:r>
+              <a:rPr lang="ko-KR" altLang="en-US" dirty="0" smtClean="0"/>
+              <a:t>다른 내용은 절대로 넣지 마세요</a:t>
+            </a:r>
+            <a:r>
+              <a:rPr lang="en-US" altLang="ko-KR" dirty="0" smtClean="0"/>
+              <a:t>!</a:t>
+            </a:r>
+            <a:endParaRPr lang="ko-KR" altLang="en-US" dirty="0"/>
+          </a:p>
+        </p:txBody>
+      </p:sp>
+    </p:spTree>
+    <p:extLst>
+      <p:ext uri="{BB962C8B-B14F-4D97-AF65-F5344CB8AC3E}">
+        <p14:creationId xmlns:p14="http://schemas.microsoft.com/office/powerpoint/2010/main" val="1222001253"/>
+      </p:ext>
+    </p:extLst>
+  </p:cSld>
+  <p:clrMapOvr>
+    <a:masterClrMapping/>
+  </p:clrMapOvr>
+</p:sld>
+</file>
+
+<file path=ppt/slides/slide12.xml><?xml version="1.0" encoding="utf-8"?>
+<p:sld xmlns:a="http://schemas.openxmlformats.org/drawingml/2006/main" xmlns:r="http://schemas.openxmlformats.org/officeDocument/2006/relationships" xmlns:p="http://schemas.openxmlformats.org/presentationml/2006/main">
+  <p:cSld>
+    <p:spTree>
+      <p:nvGrpSpPr>
+        <p:cNvPr id="1" name=""/>
+        <p:cNvGrpSpPr/>
+        <p:nvPr/>
+      </p:nvGrpSpPr>
+      <p:grpSpPr>
+        <a:xfrm>
+          <a:off x="0" y="0"/>
+          <a:ext cx="0" cy="0"/>
+          <a:chOff x="0" y="0"/>
+          <a:chExt cx="0" cy="0"/>
+        </a:xfrm>
+      </p:grpSpPr>
+      <p:sp>
+        <p:nvSpPr>
+          <p:cNvPr id="2" name="제목 1"/>
+          <p:cNvSpPr>
+            <a:spLocks noGrp="1"/>
+          </p:cNvSpPr>
+          <p:nvPr>
+            <p:ph type="title"/>
+          </p:nvPr>
+        </p:nvSpPr>
+        <p:spPr/>
+        <p:txBody>
+          <a:bodyPr/>
+          <a:lstStyle/>
+          <a:p>
+            <a:r>
+              <a:rPr lang="en-US" altLang="ko-KR" dirty="0" err="1"/>
+              <a:t>Git</a:t>
+            </a:r>
+            <a:r>
+              <a:rPr lang="en-US" altLang="ko-KR" dirty="0"/>
+              <a:t> </a:t>
+            </a:r>
+            <a:r>
+              <a:rPr lang="ko-KR" altLang="en-US" dirty="0"/>
               <a:t>환경 설정 </a:t>
             </a:r>
             <a:r>
@@ -3466,6 +3819,139 @@
       </p:sp>
       <p:sp>
         <p:nvSpPr>
+          <p:cNvPr id="3" name="내용 개체 틀 2"/>
+          <p:cNvSpPr>
+            <a:spLocks noGrp="1"/>
+          </p:cNvSpPr>
+          <p:nvPr>
+            <p:ph idx="1"/>
+          </p:nvPr>
+        </p:nvSpPr>
+        <p:spPr/>
+        <p:txBody>
+          <a:bodyPr/>
+          <a:lstStyle/>
+          <a:p>
+            <a:r>
+              <a:rPr lang="ko-KR" altLang="en-US" dirty="0" smtClean="0"/>
+              <a:t>작업</a:t>
+            </a:r>
+            <a:r>
+              <a:rPr lang="en-US" altLang="ko-KR" dirty="0" smtClean="0"/>
+              <a:t> </a:t>
+            </a:r>
+            <a:r>
+              <a:rPr lang="ko-KR" altLang="en-US" dirty="0" smtClean="0"/>
+              <a:t>폴더 생성</a:t>
+            </a:r>
+            <a:endParaRPr lang="en-US" altLang="ko-KR" dirty="0" smtClean="0"/>
+          </a:p>
+          <a:p>
+            <a:pPr lvl="1"/>
+            <a:r>
+              <a:rPr lang="ko-KR" altLang="en-US" dirty="0" smtClean="0"/>
+              <a:t>향후 프로젝트 구현이 이루어질 폴더</a:t>
+            </a:r>
+            <a:endParaRPr lang="ko-KR" altLang="en-US" dirty="0"/>
+          </a:p>
+        </p:txBody>
+      </p:sp>
+      <p:pic>
+        <p:nvPicPr>
+          <p:cNvPr id="4" name="그림 3"/>
+          <p:cNvPicPr>
+            <a:picLocks noChangeAspect="1"/>
+          </p:cNvPicPr>
+          <p:nvPr/>
+        </p:nvPicPr>
+        <p:blipFill rotWithShape="1">
+          <a:blip r:embed="rId2" cstate="email">
+            <a:extLst>
+              <a:ext uri="{28A0092B-C50C-407E-A947-70E740481C1C}">
+                <a14:useLocalDpi xmlns:a14="http://schemas.microsoft.com/office/drawing/2010/main"/>
+              </a:ext>
+            </a:extLst>
+          </a:blip>
+          <a:srcRect/>
+          <a:stretch/>
+        </p:blipFill>
+        <p:spPr>
+          <a:xfrm>
+            <a:off x="1706203" y="3467100"/>
+            <a:ext cx="9647597" cy="2844800"/>
+          </a:xfrm>
+          <a:prstGeom prst="rect">
+            <a:avLst/>
+          </a:prstGeom>
+        </p:spPr>
+      </p:pic>
+    </p:spTree>
+    <p:extLst>
+      <p:ext uri="{BB962C8B-B14F-4D97-AF65-F5344CB8AC3E}">
+        <p14:creationId xmlns:p14="http://schemas.microsoft.com/office/powerpoint/2010/main" val="2854744286"/>
+      </p:ext>
+    </p:extLst>
+  </p:cSld>
+  <p:clrMapOvr>
+    <a:masterClrMapping/>
+  </p:clrMapOvr>
+</p:sld>
+</file>
+
+<file path=ppt/slides/slide13.xml><?xml version="1.0" encoding="utf-8"?>
+<p:sld xmlns:a="http://schemas.openxmlformats.org/drawingml/2006/main" xmlns:r="http://schemas.openxmlformats.org/officeDocument/2006/relationships" xmlns:p="http://schemas.openxmlformats.org/presentationml/2006/main">
+  <p:cSld>
+    <p:spTree>
+      <p:nvGrpSpPr>
+        <p:cNvPr id="1" name=""/>
+        <p:cNvGrpSpPr/>
+        <p:nvPr/>
+      </p:nvGrpSpPr>
+      <p:grpSpPr>
+        <a:xfrm>
+          <a:off x="0" y="0"/>
+          <a:ext cx="0" cy="0"/>
+          <a:chOff x="0" y="0"/>
+          <a:chExt cx="0" cy="0"/>
+        </a:xfrm>
+      </p:grpSpPr>
+      <p:sp>
+        <p:nvSpPr>
+          <p:cNvPr id="4" name="제목 3"/>
+          <p:cNvSpPr>
+            <a:spLocks noGrp="1"/>
+          </p:cNvSpPr>
+          <p:nvPr>
+            <p:ph type="title"/>
+          </p:nvPr>
+        </p:nvSpPr>
+        <p:spPr/>
+        <p:txBody>
+          <a:bodyPr/>
+          <a:lstStyle/>
+          <a:p>
+            <a:r>
+              <a:rPr lang="en-US" altLang="ko-KR" dirty="0" err="1" smtClean="0"/>
+              <a:t>Git</a:t>
+            </a:r>
+            <a:r>
+              <a:rPr lang="en-US" altLang="ko-KR" dirty="0" smtClean="0"/>
+              <a:t> </a:t>
+            </a:r>
+            <a:r>
+              <a:rPr lang="ko-KR" altLang="en-US" dirty="0" smtClean="0"/>
+              <a:t>환경 설정 </a:t>
+            </a:r>
+            <a:r>
+              <a:rPr lang="en-US" altLang="ko-KR" dirty="0" smtClean="0"/>
+              <a:t>(CLI, Command Line Interface)</a:t>
+            </a:r>
+            <a:endParaRPr lang="ko-KR" altLang="en-US" dirty="0"/>
+          </a:p>
+        </p:txBody>
+      </p:sp>
+      <p:sp>
+        <p:nvSpPr>
           <p:cNvPr id="7" name="내용 개체 틀 6"/>
           <p:cNvSpPr>
             <a:spLocks noGrp="1"/>
@@ -3480,29 +3966,30 @@
           <a:lstStyle/>
           <a:p>
             <a:r>
-              <a:rPr lang="ko-KR" altLang="en-US" dirty="0" err="1"/>
+              <a:rPr lang="ko-KR" altLang="en-US" dirty="0" err="1" smtClean="0"/>
               <a:t>우클릭</a:t>
             </a:r>
             <a:r>
-              <a:rPr lang="ko-KR" altLang="en-US" dirty="0"/>
+              <a:rPr lang="ko-KR" altLang="en-US" dirty="0" smtClean="0"/>
               <a:t> 후 </a:t>
             </a:r>
             <a:r>
-              <a:rPr lang="en-US" altLang="ko-KR" dirty="0"/>
+              <a:rPr lang="en-US" altLang="ko-KR" dirty="0" smtClean="0"/>
               <a:t>‘</a:t>
             </a:r>
             <a:r>
-              <a:rPr lang="en-US" altLang="ko-KR" dirty="0" err="1"/>
+              <a:rPr lang="en-US" altLang="ko-KR" dirty="0" err="1" smtClean="0"/>
               <a:t>Git</a:t>
             </a:r>
             <a:r>
-              <a:rPr lang="en-US" altLang="ko-KR" dirty="0"/>
+              <a:rPr lang="en-US" altLang="ko-KR" dirty="0" smtClean="0"/>
               <a:t> Bash Here’ </a:t>
             </a:r>
             <a:r>
-              <a:rPr lang="ko-KR" altLang="en-US" dirty="0"/>
+              <a:rPr lang="ko-KR" altLang="en-US" dirty="0" smtClean="0"/>
               <a:t>선택</a:t>
             </a:r>
+            <a:endParaRPr lang="ko-KR" altLang="en-US" dirty="0"/>
           </a:p>
         </p:txBody>
       </p:sp>
@@ -3591,7 +4078,7 @@
 </p:sld>
 </file>
 
-<file path=ppt/slides/slide11.xml><?xml version="1.0" encoding="utf-8"?>
+<file path=ppt/slides/slide14.xml><?xml version="1.0" encoding="utf-8"?>
 <p:sld xmlns:a="http://schemas.openxmlformats.org/drawingml/2006/main" xmlns:r="http://schemas.openxmlformats.org/officeDocument/2006/relationships" xmlns:p="http://schemas.openxmlformats.org/presentationml/2006/main">
   <p:cSld>
     <p:spTree>
@@ -3659,26 +4146,26 @@
           <a:lstStyle/>
           <a:p>
             <a:r>
-              <a:rPr lang="en-US" altLang="ko-KR" dirty="0"/>
+              <a:rPr lang="en-US" altLang="ko-KR" dirty="0" smtClean="0"/>
               <a:t>Bash </a:t>
             </a:r>
             <a:r>
-              <a:rPr lang="ko-KR" altLang="en-US" dirty="0"/>
+              <a:rPr lang="ko-KR" altLang="en-US" dirty="0" smtClean="0"/>
               <a:t>에서 </a:t>
             </a:r>
             <a:r>
-              <a:rPr lang="en-US" altLang="ko-KR" dirty="0" err="1"/>
+              <a:rPr lang="en-US" altLang="ko-KR" dirty="0" err="1" smtClean="0"/>
               <a:t>Git</a:t>
             </a:r>
             <a:r>
-              <a:rPr lang="en-US" altLang="ko-KR" dirty="0"/>
+              <a:rPr lang="en-US" altLang="ko-KR" dirty="0" smtClean="0"/>
               <a:t> </a:t>
             </a:r>
             <a:r>
-              <a:rPr lang="ko-KR" altLang="en-US" dirty="0"/>
+              <a:rPr lang="ko-KR" altLang="en-US" dirty="0" smtClean="0"/>
               <a:t>에서 사용할 이름 및 이메일 등록</a:t>
             </a:r>
-            <a:endParaRPr lang="en-US" altLang="ko-KR" dirty="0"/>
+            <a:endParaRPr lang="en-US" altLang="ko-KR" dirty="0" smtClean="0"/>
           </a:p>
           <a:p>
             <a:endParaRPr lang="ko-KR" altLang="en-US" dirty="0"/>
@@ -3797,672 +4284,6 @@
 </p:sld>
 </file>
 
-<file path=ppt/slides/slide12.xml><?xml version="1.0" encoding="utf-8"?>
-<p:sld xmlns:a="http://schemas.openxmlformats.org/drawingml/2006/main" xmlns:r="http://schemas.openxmlformats.org/officeDocument/2006/relationships" xmlns:p="http://schemas.openxmlformats.org/presentationml/2006/main">
-  <p:cSld>
-    <p:spTree>
-      <p:nvGrpSpPr>
-        <p:cNvPr id="1" name=""/>
-        <p:cNvGrpSpPr/>
-        <p:nvPr/>
-      </p:nvGrpSpPr>
-      <p:grpSpPr>
-        <a:xfrm>
-          <a:off x="0" y="0"/>
-          <a:ext cx="0" cy="0"/>
-          <a:chOff x="0" y="0"/>
-          <a:chExt cx="0" cy="0"/>
-        </a:xfrm>
-      </p:grpSpPr>
-      <p:sp>
-        <p:nvSpPr>
-          <p:cNvPr id="2" name="제목 1"/>
-          <p:cNvSpPr>
-            <a:spLocks noGrp="1"/>
-          </p:cNvSpPr>
-          <p:nvPr>
-            <p:ph type="title"/>
-          </p:nvPr>
-        </p:nvSpPr>
-        <p:spPr/>
-        <p:txBody>
-          <a:bodyPr/>
-          <a:lstStyle/>
-          <a:p>
-            <a:r>
-              <a:rPr lang="en-US" altLang="ko-KR" dirty="0" err="1"/>
-              <a:t>GitLab</a:t>
-            </a:r>
-            <a:r>
-              <a:rPr lang="en-US" altLang="ko-KR" dirty="0"/>
-              <a:t> </a:t>
-            </a:r>
-            <a:r>
-              <a:rPr lang="ko-KR" altLang="en-US" dirty="0"/>
-              <a:t>환경 설정</a:t>
-            </a:r>
-          </a:p>
-        </p:txBody>
-      </p:sp>
-      <p:sp>
-        <p:nvSpPr>
-          <p:cNvPr id="3" name="내용 개체 틀 2"/>
-          <p:cNvSpPr>
-            <a:spLocks noGrp="1"/>
-          </p:cNvSpPr>
-          <p:nvPr>
-            <p:ph idx="1"/>
-          </p:nvPr>
-        </p:nvSpPr>
-        <p:spPr/>
-        <p:txBody>
-          <a:bodyPr/>
-          <a:lstStyle/>
-          <a:p>
-            <a:r>
-              <a:rPr lang="en-US" altLang="ko-KR" dirty="0" err="1"/>
-              <a:t>GitLab</a:t>
-            </a:r>
-            <a:r>
-              <a:rPr lang="ko-KR" altLang="en-US" dirty="0"/>
-              <a:t>에서 프로젝트 생성</a:t>
-            </a:r>
-            <a:endParaRPr lang="en-US" altLang="ko-KR" dirty="0"/>
-          </a:p>
-          <a:p>
-            <a:pPr lvl="1"/>
-            <a:r>
-              <a:rPr lang="en-US" altLang="ko-KR" dirty="0"/>
-              <a:t>[</a:t>
-            </a:r>
-            <a:r>
-              <a:rPr lang="ko-KR" altLang="en-US" dirty="0"/>
-              <a:t>분반</a:t>
-            </a:r>
-            <a:r>
-              <a:rPr lang="en-US" altLang="ko-KR" dirty="0"/>
-              <a:t>_</a:t>
-            </a:r>
-            <a:r>
-              <a:rPr lang="ko-KR" altLang="en-US" dirty="0"/>
-              <a:t>학번</a:t>
-            </a:r>
-            <a:r>
-              <a:rPr lang="en-US" altLang="ko-KR" dirty="0"/>
-              <a:t>] </a:t>
-            </a:r>
-            <a:r>
-              <a:rPr lang="ko-KR" altLang="en-US" dirty="0"/>
-              <a:t>으로 프로젝트 이름 만들기</a:t>
-            </a:r>
-            <a:endParaRPr lang="en-US" altLang="ko-KR" dirty="0"/>
-          </a:p>
-          <a:p>
-            <a:pPr lvl="2"/>
-            <a:r>
-              <a:rPr lang="ko-KR" altLang="en-US" dirty="0"/>
-              <a:t>예 </a:t>
-            </a:r>
-            <a:r>
-              <a:rPr lang="en-US" altLang="ko-KR" dirty="0"/>
-              <a:t>: 02_20161234</a:t>
-            </a:r>
-          </a:p>
-        </p:txBody>
-      </p:sp>
-      <p:pic>
-        <p:nvPicPr>
-          <p:cNvPr id="4" name="그림 3"/>
-          <p:cNvPicPr>
-            <a:picLocks noChangeAspect="1"/>
-          </p:cNvPicPr>
-          <p:nvPr/>
-        </p:nvPicPr>
-        <p:blipFill>
-          <a:blip r:embed="rId2"/>
-          <a:stretch>
-            <a:fillRect/>
-          </a:stretch>
-        </p:blipFill>
-        <p:spPr>
-          <a:xfrm>
-            <a:off x="5527964" y="2947449"/>
-            <a:ext cx="5825836" cy="3815844"/>
-          </a:xfrm>
-          <a:prstGeom prst="rect">
-            <a:avLst/>
-          </a:prstGeom>
-        </p:spPr>
-      </p:pic>
-      <p:sp>
-        <p:nvSpPr>
-          <p:cNvPr id="7" name="오른쪽 화살표 6"/>
-          <p:cNvSpPr/>
-          <p:nvPr/>
-        </p:nvSpPr>
-        <p:spPr>
-          <a:xfrm>
-            <a:off x="5104015" y="6251778"/>
-            <a:ext cx="548640" cy="573578"/>
-          </a:xfrm>
-          <a:prstGeom prst="rightArrow">
-            <a:avLst/>
-          </a:prstGeom>
-        </p:spPr>
-        <p:style>
-          <a:lnRef idx="2">
-            <a:schemeClr val="accent1">
-              <a:shade val="50000"/>
-            </a:schemeClr>
-          </a:lnRef>
-          <a:fillRef idx="1">
-            <a:schemeClr val="accent1"/>
-          </a:fillRef>
-          <a:effectRef idx="0">
-            <a:schemeClr val="accent1"/>
-          </a:effectRef>
-          <a:fontRef idx="minor">
-            <a:schemeClr val="lt1"/>
-          </a:fontRef>
-        </p:style>
-        <p:txBody>
-          <a:bodyPr rtlCol="0" anchor="ctr"/>
-          <a:lstStyle/>
-          <a:p>
-            <a:pPr algn="ctr"/>
-            <a:endParaRPr lang="ko-KR" altLang="en-US"/>
-          </a:p>
-        </p:txBody>
-      </p:sp>
-    </p:spTree>
-    <p:extLst>
-      <p:ext uri="{BB962C8B-B14F-4D97-AF65-F5344CB8AC3E}">
-        <p14:creationId xmlns:p14="http://schemas.microsoft.com/office/powerpoint/2010/main" val="574375819"/>
-      </p:ext>
-    </p:extLst>
-  </p:cSld>
-  <p:clrMapOvr>
-    <a:masterClrMapping/>
-  </p:clrMapOvr>
-</p:sld>
-</file>
-
-<file path=ppt/slides/slide13.xml><?xml version="1.0" encoding="utf-8"?>
-<p:sld xmlns:a="http://schemas.openxmlformats.org/drawingml/2006/main" xmlns:r="http://schemas.openxmlformats.org/officeDocument/2006/relationships" xmlns:p="http://schemas.openxmlformats.org/presentationml/2006/main">
-  <p:cSld>
-    <p:spTree>
-      <p:nvGrpSpPr>
-        <p:cNvPr id="1" name=""/>
-        <p:cNvGrpSpPr/>
-        <p:nvPr/>
-      </p:nvGrpSpPr>
-      <p:grpSpPr>
-        <a:xfrm>
-          <a:off x="0" y="0"/>
-          <a:ext cx="0" cy="0"/>
-          <a:chOff x="0" y="0"/>
-          <a:chExt cx="0" cy="0"/>
-        </a:xfrm>
-      </p:grpSpPr>
-      <p:sp>
-        <p:nvSpPr>
-          <p:cNvPr id="2" name="제목 1"/>
-          <p:cNvSpPr>
-            <a:spLocks noGrp="1"/>
-          </p:cNvSpPr>
-          <p:nvPr>
-            <p:ph type="title"/>
-          </p:nvPr>
-        </p:nvSpPr>
-        <p:spPr/>
-        <p:txBody>
-          <a:bodyPr/>
-          <a:lstStyle/>
-          <a:p>
-            <a:r>
-              <a:rPr lang="en-US" altLang="ko-KR" dirty="0" err="1"/>
-              <a:t>GitLab</a:t>
-            </a:r>
-            <a:r>
-              <a:rPr lang="en-US" altLang="ko-KR" dirty="0"/>
-              <a:t> </a:t>
-            </a:r>
-            <a:r>
-              <a:rPr lang="ko-KR" altLang="en-US" dirty="0"/>
-              <a:t>환경 설정</a:t>
-            </a:r>
-          </a:p>
-        </p:txBody>
-      </p:sp>
-      <p:sp>
-        <p:nvSpPr>
-          <p:cNvPr id="3" name="내용 개체 틀 2"/>
-          <p:cNvSpPr>
-            <a:spLocks noGrp="1"/>
-          </p:cNvSpPr>
-          <p:nvPr>
-            <p:ph idx="1"/>
-          </p:nvPr>
-        </p:nvSpPr>
-        <p:spPr/>
-        <p:txBody>
-          <a:bodyPr/>
-          <a:lstStyle/>
-          <a:p>
-            <a:r>
-              <a:rPr lang="ko-KR" altLang="en-US" dirty="0"/>
-              <a:t>프로젝트 세팅 </a:t>
-            </a:r>
-            <a:r>
-              <a:rPr lang="en-US" altLang="ko-KR" dirty="0"/>
-              <a:t>-&gt; Members </a:t>
-            </a:r>
-            <a:r>
-              <a:rPr lang="ko-KR" altLang="en-US" dirty="0"/>
-              <a:t>에서 </a:t>
-            </a:r>
-            <a:r>
-              <a:rPr lang="en-US" altLang="ko-KR" dirty="0"/>
-              <a:t>watersp </a:t>
-            </a:r>
-            <a:r>
-              <a:rPr lang="ko-KR" altLang="en-US" dirty="0"/>
-              <a:t>추가</a:t>
-            </a:r>
-            <a:endParaRPr lang="en-US" altLang="ko-KR" dirty="0"/>
-          </a:p>
-        </p:txBody>
-      </p:sp>
-      <p:pic>
-        <p:nvPicPr>
-          <p:cNvPr id="5" name="그림 4"/>
-          <p:cNvPicPr>
-            <a:picLocks noChangeAspect="1"/>
-          </p:cNvPicPr>
-          <p:nvPr/>
-        </p:nvPicPr>
-        <p:blipFill>
-          <a:blip r:embed="rId2"/>
-          <a:stretch>
-            <a:fillRect/>
-          </a:stretch>
-        </p:blipFill>
-        <p:spPr>
-          <a:xfrm>
-            <a:off x="3147060" y="2901950"/>
-            <a:ext cx="4800600" cy="3409950"/>
-          </a:xfrm>
-          <a:prstGeom prst="rect">
-            <a:avLst/>
-          </a:prstGeom>
-        </p:spPr>
-      </p:pic>
-      <p:sp>
-        <p:nvSpPr>
-          <p:cNvPr id="6" name="오른쪽 화살표 5"/>
-          <p:cNvSpPr/>
-          <p:nvPr/>
-        </p:nvSpPr>
-        <p:spPr>
-          <a:xfrm>
-            <a:off x="2776451" y="5738322"/>
-            <a:ext cx="548640" cy="573578"/>
-          </a:xfrm>
-          <a:prstGeom prst="rightArrow">
-            <a:avLst/>
-          </a:prstGeom>
-        </p:spPr>
-        <p:style>
-          <a:lnRef idx="2">
-            <a:schemeClr val="accent1">
-              <a:shade val="50000"/>
-            </a:schemeClr>
-          </a:lnRef>
-          <a:fillRef idx="1">
-            <a:schemeClr val="accent1"/>
-          </a:fillRef>
-          <a:effectRef idx="0">
-            <a:schemeClr val="accent1"/>
-          </a:effectRef>
-          <a:fontRef idx="minor">
-            <a:schemeClr val="lt1"/>
-          </a:fontRef>
-        </p:style>
-        <p:txBody>
-          <a:bodyPr rtlCol="0" anchor="ctr"/>
-          <a:lstStyle/>
-          <a:p>
-            <a:pPr algn="ctr"/>
-            <a:endParaRPr lang="ko-KR" altLang="en-US"/>
-          </a:p>
-        </p:txBody>
-      </p:sp>
-      <p:sp>
-        <p:nvSpPr>
-          <p:cNvPr id="7" name="오른쪽 화살표 6"/>
-          <p:cNvSpPr/>
-          <p:nvPr/>
-        </p:nvSpPr>
-        <p:spPr>
-          <a:xfrm>
-            <a:off x="2776451" y="5384065"/>
-            <a:ext cx="548640" cy="573578"/>
-          </a:xfrm>
-          <a:prstGeom prst="rightArrow">
-            <a:avLst/>
-          </a:prstGeom>
-        </p:spPr>
-        <p:style>
-          <a:lnRef idx="2">
-            <a:schemeClr val="accent1">
-              <a:shade val="50000"/>
-            </a:schemeClr>
-          </a:lnRef>
-          <a:fillRef idx="1">
-            <a:schemeClr val="accent1"/>
-          </a:fillRef>
-          <a:effectRef idx="0">
-            <a:schemeClr val="accent1"/>
-          </a:effectRef>
-          <a:fontRef idx="minor">
-            <a:schemeClr val="lt1"/>
-          </a:fontRef>
-        </p:style>
-        <p:txBody>
-          <a:bodyPr rtlCol="0" anchor="ctr"/>
-          <a:lstStyle/>
-          <a:p>
-            <a:pPr algn="ctr"/>
-            <a:endParaRPr lang="ko-KR" altLang="en-US"/>
-          </a:p>
-        </p:txBody>
-      </p:sp>
-      <p:sp>
-        <p:nvSpPr>
-          <p:cNvPr id="8" name="오른쪽 화살표 7"/>
-          <p:cNvSpPr/>
-          <p:nvPr/>
-        </p:nvSpPr>
-        <p:spPr>
-          <a:xfrm>
-            <a:off x="2776451" y="4591145"/>
-            <a:ext cx="548640" cy="573578"/>
-          </a:xfrm>
-          <a:prstGeom prst="rightArrow">
-            <a:avLst/>
-          </a:prstGeom>
-        </p:spPr>
-        <p:style>
-          <a:lnRef idx="2">
-            <a:schemeClr val="accent1">
-              <a:shade val="50000"/>
-            </a:schemeClr>
-          </a:lnRef>
-          <a:fillRef idx="1">
-            <a:schemeClr val="accent1"/>
-          </a:fillRef>
-          <a:effectRef idx="0">
-            <a:schemeClr val="accent1"/>
-          </a:effectRef>
-          <a:fontRef idx="minor">
-            <a:schemeClr val="lt1"/>
-          </a:fontRef>
-        </p:style>
-        <p:txBody>
-          <a:bodyPr rtlCol="0" anchor="ctr"/>
-          <a:lstStyle/>
-          <a:p>
-            <a:pPr algn="ctr"/>
-            <a:endParaRPr lang="ko-KR" altLang="en-US"/>
-          </a:p>
-        </p:txBody>
-      </p:sp>
-      <p:sp>
-        <p:nvSpPr>
-          <p:cNvPr id="9" name="오른쪽 화살표 8"/>
-          <p:cNvSpPr/>
-          <p:nvPr/>
-        </p:nvSpPr>
-        <p:spPr>
-          <a:xfrm>
-            <a:off x="2776451" y="3950099"/>
-            <a:ext cx="548640" cy="573578"/>
-          </a:xfrm>
-          <a:prstGeom prst="rightArrow">
-            <a:avLst/>
-          </a:prstGeom>
-        </p:spPr>
-        <p:style>
-          <a:lnRef idx="2">
-            <a:schemeClr val="accent1">
-              <a:shade val="50000"/>
-            </a:schemeClr>
-          </a:lnRef>
-          <a:fillRef idx="1">
-            <a:schemeClr val="accent1"/>
-          </a:fillRef>
-          <a:effectRef idx="0">
-            <a:schemeClr val="accent1"/>
-          </a:effectRef>
-          <a:fontRef idx="minor">
-            <a:schemeClr val="lt1"/>
-          </a:fontRef>
-        </p:style>
-        <p:txBody>
-          <a:bodyPr rtlCol="0" anchor="ctr"/>
-          <a:lstStyle/>
-          <a:p>
-            <a:pPr algn="ctr"/>
-            <a:endParaRPr lang="ko-KR" altLang="en-US"/>
-          </a:p>
-        </p:txBody>
-      </p:sp>
-    </p:spTree>
-    <p:extLst>
-      <p:ext uri="{BB962C8B-B14F-4D97-AF65-F5344CB8AC3E}">
-        <p14:creationId xmlns:p14="http://schemas.microsoft.com/office/powerpoint/2010/main" val="2600747599"/>
-      </p:ext>
-    </p:extLst>
-  </p:cSld>
-  <p:clrMapOvr>
-    <a:masterClrMapping/>
-  </p:clrMapOvr>
-</p:sld>
-</file>
-
-<file path=ppt/slides/slide14.xml><?xml version="1.0" encoding="utf-8"?>
-<p:sld xmlns:a="http://schemas.openxmlformats.org/drawingml/2006/main" xmlns:r="http://schemas.openxmlformats.org/officeDocument/2006/relationships" xmlns:p="http://schemas.openxmlformats.org/presentationml/2006/main">
-  <p:cSld>
-    <p:spTree>
-      <p:nvGrpSpPr>
-        <p:cNvPr id="1" name=""/>
-        <p:cNvGrpSpPr/>
-        <p:nvPr/>
-      </p:nvGrpSpPr>
-      <p:grpSpPr>
-        <a:xfrm>
-          <a:off x="0" y="0"/>
-          <a:ext cx="0" cy="0"/>
-          <a:chOff x="0" y="0"/>
-          <a:chExt cx="0" cy="0"/>
-        </a:xfrm>
-      </p:grpSpPr>
-      <p:pic>
-        <p:nvPicPr>
-          <p:cNvPr id="3" name="그림 2"/>
-          <p:cNvPicPr>
-            <a:picLocks noChangeAspect="1"/>
-          </p:cNvPicPr>
-          <p:nvPr/>
-        </p:nvPicPr>
-        <p:blipFill>
-          <a:blip r:embed="rId2"/>
-          <a:stretch>
-            <a:fillRect/>
-          </a:stretch>
-        </p:blipFill>
-        <p:spPr>
-          <a:xfrm>
-            <a:off x="119062" y="1724025"/>
-            <a:ext cx="11953875" cy="3409950"/>
-          </a:xfrm>
-          <a:prstGeom prst="rect">
-            <a:avLst/>
-          </a:prstGeom>
-        </p:spPr>
-      </p:pic>
-      <p:sp>
-        <p:nvSpPr>
-          <p:cNvPr id="4" name="제목 3"/>
-          <p:cNvSpPr>
-            <a:spLocks noGrp="1"/>
-          </p:cNvSpPr>
-          <p:nvPr>
-            <p:ph type="title"/>
-          </p:nvPr>
-        </p:nvSpPr>
-        <p:spPr/>
-        <p:txBody>
-          <a:bodyPr/>
-          <a:lstStyle/>
-          <a:p>
-            <a:r>
-              <a:rPr lang="en-US" altLang="ko-KR" dirty="0" err="1"/>
-              <a:t>Git</a:t>
-            </a:r>
-            <a:r>
-              <a:rPr lang="en-US" altLang="ko-KR" dirty="0"/>
-              <a:t> </a:t>
-            </a:r>
-            <a:r>
-              <a:rPr lang="ko-KR" altLang="en-US" dirty="0"/>
-              <a:t>환경 설정 </a:t>
-            </a:r>
-            <a:r>
-              <a:rPr lang="en-US" altLang="ko-KR" dirty="0"/>
-              <a:t>(CLI, Command Line Interface)</a:t>
-            </a:r>
-            <a:endParaRPr lang="ko-KR" altLang="en-US" dirty="0"/>
-          </a:p>
-        </p:txBody>
-      </p:sp>
-      <p:sp>
-        <p:nvSpPr>
-          <p:cNvPr id="6" name="오른쪽 화살표 5"/>
-          <p:cNvSpPr/>
-          <p:nvPr/>
-        </p:nvSpPr>
-        <p:spPr>
-          <a:xfrm>
-            <a:off x="9693729" y="4078854"/>
-            <a:ext cx="580571" cy="516392"/>
-          </a:xfrm>
-          <a:prstGeom prst="rightArrow">
-            <a:avLst/>
-          </a:prstGeom>
-          <a:solidFill>
-            <a:srgbClr val="FF0000"/>
-          </a:solidFill>
-        </p:spPr>
-        <p:style>
-          <a:lnRef idx="2">
-            <a:schemeClr val="accent1">
-              <a:shade val="50000"/>
-            </a:schemeClr>
-          </a:lnRef>
-          <a:fillRef idx="1">
-            <a:schemeClr val="accent1"/>
-          </a:fillRef>
-          <a:effectRef idx="0">
-            <a:schemeClr val="accent1"/>
-          </a:effectRef>
-          <a:fontRef idx="minor">
-            <a:schemeClr val="lt1"/>
-          </a:fontRef>
-        </p:style>
-        <p:txBody>
-          <a:bodyPr rtlCol="0" anchor="ctr"/>
-          <a:lstStyle/>
-          <a:p>
-            <a:pPr algn="ctr"/>
-            <a:endParaRPr lang="ko-KR" altLang="en-US"/>
-          </a:p>
-        </p:txBody>
-      </p:sp>
-      <p:sp>
-        <p:nvSpPr>
-          <p:cNvPr id="7" name="TextBox 6"/>
-          <p:cNvSpPr txBox="1"/>
-          <p:nvPr/>
-        </p:nvSpPr>
-        <p:spPr>
-          <a:xfrm>
-            <a:off x="3468915" y="4078854"/>
-            <a:ext cx="6224814" cy="584775"/>
-          </a:xfrm>
-          <a:prstGeom prst="rect">
-            <a:avLst/>
-          </a:prstGeom>
-          <a:noFill/>
-        </p:spPr>
-        <p:txBody>
-          <a:bodyPr wrap="square" rtlCol="0">
-            <a:spAutoFit/>
-          </a:bodyPr>
-          <a:lstStyle/>
-          <a:p>
-            <a:r>
-              <a:rPr lang="ko-KR" altLang="en-US" sz="3200" b="1" dirty="0">
-                <a:effectLst>
-                  <a:outerShdw blurRad="38100" dist="38100" dir="2700000" algn="tl">
-                    <a:srgbClr val="000000">
-                      <a:alpha val="43137"/>
-                    </a:srgbClr>
-                  </a:outerShdw>
-                </a:effectLst>
-              </a:rPr>
-              <a:t>자신의 </a:t>
-            </a:r>
-            <a:r>
-              <a:rPr lang="en-US" altLang="ko-KR" sz="3200" b="1" dirty="0">
-                <a:effectLst>
-                  <a:outerShdw blurRad="38100" dist="38100" dir="2700000" algn="tl">
-                    <a:srgbClr val="000000">
-                      <a:alpha val="43137"/>
-                    </a:srgbClr>
-                  </a:outerShdw>
-                </a:effectLst>
-              </a:rPr>
-              <a:t>remote repo </a:t>
-            </a:r>
-            <a:r>
-              <a:rPr lang="ko-KR" altLang="en-US" sz="3200" b="1" dirty="0">
-                <a:effectLst>
-                  <a:outerShdw blurRad="38100" dist="38100" dir="2700000" algn="tl">
-                    <a:srgbClr val="000000">
-                      <a:alpha val="43137"/>
-                    </a:srgbClr>
-                  </a:outerShdw>
-                </a:effectLst>
-              </a:rPr>
-              <a:t>주소 복사</a:t>
-            </a:r>
-          </a:p>
-        </p:txBody>
-      </p:sp>
-    </p:spTree>
-    <p:extLst>
-      <p:ext uri="{BB962C8B-B14F-4D97-AF65-F5344CB8AC3E}">
-        <p14:creationId xmlns:p14="http://schemas.microsoft.com/office/powerpoint/2010/main" val="2718893539"/>
-      </p:ext>
-    </p:extLst>
-  </p:cSld>
-  <p:clrMapOvr>
-    <a:masterClrMapping/>
-  </p:clrMapOvr>
-</p:sld>
-</file>
-
 <file path=ppt/slides/slide15.xml><?xml version="1.0" encoding="utf-8"?>
 <p:sld xmlns:a="http://schemas.openxmlformats.org/drawingml/2006/main" xmlns:r="http://schemas.openxmlformats.org/officeDocument/2006/relationships" xmlns:p="http://schemas.openxmlformats.org/presentationml/2006/main">
   <p:cSld>
@@ -4567,7 +4388,7 @@
           <a:lstStyle/>
           <a:p>
             <a:r>
-              <a:rPr lang="en-US" altLang="ko-KR" sz="3200" dirty="0">
+              <a:rPr lang="en-US" altLang="ko-KR" sz="3200" dirty="0" smtClean="0">
                 <a:solidFill>
                   <a:schemeClr val="bg1"/>
                 </a:solidFill>
@@ -4575,20 +4396,85 @@
               <a:t>Bash </a:t>
             </a:r>
             <a:r>
+              <a:rPr lang="ko-KR" altLang="en-US" sz="3200" dirty="0" smtClean="0">
+                <a:solidFill>
+                  <a:schemeClr val="bg1"/>
+                </a:solidFill>
+              </a:rPr>
+              <a:t>는 </a:t>
+            </a:r>
+            <a:r>
+              <a:rPr lang="en-US" altLang="ko-KR" sz="3200" dirty="0" smtClean="0">
+                <a:solidFill>
+                  <a:schemeClr val="bg1"/>
+                </a:solidFill>
+              </a:rPr>
+              <a:t>ctrl-v </a:t>
+            </a:r>
+            <a:r>
+              <a:rPr lang="ko-KR" altLang="en-US" sz="3200" dirty="0" smtClean="0">
+                <a:solidFill>
+                  <a:schemeClr val="bg1"/>
+                </a:solidFill>
+              </a:rPr>
+              <a:t>안됨</a:t>
+            </a:r>
+            <a:r>
+              <a:rPr lang="en-US" altLang="ko-KR" sz="3200" dirty="0" smtClean="0">
+                <a:solidFill>
+                  <a:schemeClr val="bg1"/>
+                </a:solidFill>
+              </a:rPr>
+              <a:t>!</a:t>
+            </a:r>
+          </a:p>
+          <a:p>
+            <a:endParaRPr lang="en-US" altLang="ko-KR" sz="3200" dirty="0" smtClean="0">
+              <a:solidFill>
+                <a:schemeClr val="bg1"/>
+              </a:solidFill>
+            </a:endParaRPr>
+          </a:p>
+          <a:p>
+            <a:r>
+              <a:rPr lang="ko-KR" altLang="en-US" sz="3200" dirty="0" smtClean="0">
+                <a:solidFill>
+                  <a:schemeClr val="bg1"/>
+                </a:solidFill>
+              </a:rPr>
+              <a:t>반드시 우 클릭 </a:t>
+            </a:r>
+            <a:r>
               <a:rPr lang="ko-KR" altLang="en-US" sz="3200" dirty="0">
                 <a:solidFill>
                   <a:schemeClr val="bg1"/>
                 </a:solidFill>
               </a:rPr>
-              <a:t>는 </a:t>
-            </a:r>
-            <a:r>
-              <a:rPr lang="en-US" altLang="ko-KR" sz="3200" dirty="0">
+              <a:t>후</a:t>
+            </a:r>
+            <a:r>
+              <a:rPr lang="ko-KR" altLang="en-US" sz="3200" dirty="0" smtClean="0">
                 <a:solidFill>
                   <a:schemeClr val="bg1"/>
                 </a:solidFill>
               </a:rPr>
-              <a:t>ctrl-v </a:t>
+              <a:t> </a:t>
+            </a:r>
+            <a:r>
+              <a:rPr lang="en-US" altLang="ko-KR" sz="3200" dirty="0" smtClean="0">
+                <a:solidFill>
+                  <a:schemeClr val="bg1"/>
+                </a:solidFill>
+              </a:rPr>
+              <a:t>Paste </a:t>
+            </a:r>
+            <a:r>
+              <a:rPr lang="ko-KR" altLang="en-US" sz="3200" dirty="0" smtClean="0">
+                <a:solidFill>
+                  <a:schemeClr val="bg1"/>
+                </a:solidFill>
+              </a:rPr>
+              <a:t>선택하여 붙여 넣어야 </a:t>
             </a:r>
             <a:r>
               <a:rPr lang="ko-KR" altLang="en-US" sz="3200" dirty="0">
@@ -4596,48 +4482,7 @@
                   <a:schemeClr val="bg1"/>
                 </a:solidFill>
               </a:rPr>
-              <a:t>안됨</a:t>
-            </a:r>
-            <a:r>
-              <a:rPr lang="en-US" altLang="ko-KR" sz="3200" dirty="0">
-                <a:solidFill>
-                  <a:schemeClr val="bg1"/>
-                </a:solidFill>
-              </a:rPr>
-              <a:t>!</a:t>
-            </a:r>
-          </a:p>
-          <a:p>
-            <a:endParaRPr lang="en-US" altLang="ko-KR" sz="3200" dirty="0">
-              <a:solidFill>
-                <a:schemeClr val="bg1"/>
-              </a:solidFill>
-            </a:endParaRPr>
-          </a:p>
-          <a:p>
-            <a:r>
-              <a:rPr lang="ko-KR" altLang="en-US" sz="3200" dirty="0">
-                <a:solidFill>
-                  <a:schemeClr val="bg1"/>
-                </a:solidFill>
-              </a:rPr>
-              <a:t>반드시 우 클릭 후 </a:t>
-            </a:r>
-            <a:r>
-              <a:rPr lang="en-US" altLang="ko-KR" sz="3200" dirty="0">
-                <a:solidFill>
-                  <a:schemeClr val="bg1"/>
-                </a:solidFill>
-              </a:rPr>
-              <a:t>Paste </a:t>
-            </a:r>
-            <a:r>
-              <a:rPr lang="ko-KR" altLang="en-US" sz="3200" dirty="0">
-                <a:solidFill>
-                  <a:schemeClr val="bg1"/>
-                </a:solidFill>
-              </a:rPr>
-              <a:t>선택하여 붙여 넣어야 함</a:t>
+              <a:t>함</a:t>
             </a:r>
           </a:p>
         </p:txBody>
@@ -4754,45 +4599,49 @@
           <a:lstStyle/>
           <a:p>
             <a:r>
-              <a:rPr lang="en-US" altLang="ko-KR" sz="2400" dirty="0" err="1"/>
+              <a:rPr lang="en-US" altLang="ko-KR" sz="2400" dirty="0" err="1" smtClean="0"/>
               <a:t>git</a:t>
             </a:r>
             <a:r>
-              <a:rPr lang="en-US" altLang="ko-KR" sz="2400" dirty="0"/>
+              <a:rPr lang="en-US" altLang="ko-KR" sz="2400" dirty="0" smtClean="0"/>
               <a:t> clone </a:t>
             </a:r>
             <a:r>
+              <a:rPr lang="ko-KR" altLang="en-US" sz="2400" dirty="0" smtClean="0"/>
+              <a:t>을 실행하면 </a:t>
+            </a:r>
+            <a:r>
+              <a:rPr lang="en-US" altLang="ko-KR" sz="2400" dirty="0" smtClean="0"/>
+              <a:t>Remote repo </a:t>
+            </a:r>
+            <a:r>
+              <a:rPr lang="ko-KR" altLang="en-US" sz="2400" dirty="0" smtClean="0"/>
+              <a:t>내용이 </a:t>
+            </a:r>
+            <a:r>
+              <a:rPr lang="en-US" altLang="ko-KR" sz="2400" dirty="0" smtClean="0"/>
+              <a:t>Local repo </a:t>
+            </a:r>
+            <a:r>
               <a:rPr lang="ko-KR" altLang="en-US" sz="2400" dirty="0"/>
-              <a:t>을 실행하면 </a:t>
-            </a:r>
-            <a:r>
-              <a:rPr lang="en-US" altLang="ko-KR" sz="2400" dirty="0"/>
-              <a:t>Remote repo </a:t>
-            </a:r>
-            <a:r>
-              <a:rPr lang="ko-KR" altLang="en-US" sz="2400" dirty="0"/>
-              <a:t>내용이 </a:t>
-            </a:r>
-            <a:r>
-              <a:rPr lang="en-US" altLang="ko-KR" sz="2400" dirty="0"/>
-              <a:t>Local repo </a:t>
-            </a:r>
-            <a:r>
-              <a:rPr lang="ko-KR" altLang="en-US" sz="2400" dirty="0"/>
-              <a:t>로 복사 되며 동일한 내용을 가짐</a:t>
-            </a:r>
+              <a:t>로</a:t>
+            </a:r>
+            <a:r>
+              <a:rPr lang="ko-KR" altLang="en-US" sz="2400" dirty="0" smtClean="0"/>
+              <a:t> 복사 되며 동일한 내용을 가짐</a:t>
+            </a:r>
+            <a:endParaRPr lang="en-US" altLang="ko-KR" sz="2400" dirty="0" smtClean="0"/>
+          </a:p>
+          <a:p>
             <a:endParaRPr lang="en-US" altLang="ko-KR" sz="2400" dirty="0"/>
           </a:p>
           <a:p>
-            <a:endParaRPr lang="en-US" altLang="ko-KR" sz="2400" dirty="0"/>
-          </a:p>
-          <a:p>
-            <a:r>
-              <a:rPr lang="en-US" altLang="ko-KR" sz="2400" dirty="0"/>
+            <a:r>
+              <a:rPr lang="en-US" altLang="ko-KR" sz="2400" dirty="0" smtClean="0"/>
               <a:t>DVCS</a:t>
             </a:r>
             <a:r>
-              <a:rPr lang="ko-KR" altLang="en-US" sz="2400" dirty="0"/>
+              <a:rPr lang="ko-KR" altLang="en-US" sz="2400" dirty="0" smtClean="0"/>
               <a:t>의 특징</a:t>
             </a:r>
             <a:r>
@@ -4800,11 +4649,11 @@
               <a:t> </a:t>
             </a:r>
             <a:r>
-              <a:rPr lang="ko-KR" altLang="en-US" sz="2400" dirty="0"/>
+              <a:rPr lang="ko-KR" altLang="en-US" sz="2400" dirty="0" smtClean="0"/>
               <a:t>중 하나</a:t>
             </a:r>
             <a:r>
-              <a:rPr lang="en-US" altLang="ko-KR" sz="2400" dirty="0"/>
+              <a:rPr lang="en-US" altLang="ko-KR" sz="2400" dirty="0" smtClean="0"/>
               <a:t>!</a:t>
             </a:r>
             <a:endParaRPr lang="ko-KR" altLang="en-US" sz="2400" dirty="0"/>
@@ -4892,49 +4741,50 @@
           <a:lstStyle/>
           <a:p>
             <a:r>
-              <a:rPr lang="ko-KR" altLang="en-US" dirty="0"/>
+              <a:rPr lang="ko-KR" altLang="en-US" dirty="0" smtClean="0"/>
               <a:t>불필요한 부산물들</a:t>
             </a:r>
             <a:r>
-              <a:rPr lang="en-US" altLang="ko-KR" dirty="0"/>
+              <a:rPr lang="en-US" altLang="ko-KR" dirty="0" smtClean="0"/>
               <a:t>(</a:t>
             </a:r>
             <a:r>
-              <a:rPr lang="en-US" altLang="ko-KR" dirty="0" err="1"/>
+              <a:rPr lang="en-US" altLang="ko-KR" dirty="0" err="1" smtClean="0"/>
               <a:t>pdb</a:t>
             </a:r>
             <a:r>
-              <a:rPr lang="en-US" altLang="ko-KR" dirty="0"/>
+              <a:rPr lang="en-US" altLang="ko-KR" dirty="0" smtClean="0"/>
               <a:t>, log </a:t>
             </a:r>
             <a:r>
-              <a:rPr lang="ko-KR" altLang="en-US" dirty="0" err="1"/>
+              <a:rPr lang="ko-KR" altLang="en-US" dirty="0" err="1" smtClean="0"/>
               <a:t>파일등</a:t>
             </a:r>
             <a:r>
-              <a:rPr lang="en-US" altLang="ko-KR" dirty="0"/>
+              <a:rPr lang="en-US" altLang="ko-KR" dirty="0" smtClean="0"/>
               <a:t>)</a:t>
             </a:r>
             <a:r>
-              <a:rPr lang="ko-KR" altLang="en-US" dirty="0"/>
+              <a:rPr lang="ko-KR" altLang="en-US" dirty="0" smtClean="0"/>
               <a:t>을 무시할 수 있도록 </a:t>
             </a:r>
             <a:r>
-              <a:rPr lang="en-US" altLang="ko-KR" dirty="0"/>
+              <a:rPr lang="en-US" altLang="ko-KR" dirty="0" smtClean="0"/>
               <a:t>.</a:t>
             </a:r>
             <a:r>
-              <a:rPr lang="en-US" altLang="ko-KR" dirty="0" err="1"/>
+              <a:rPr lang="en-US" altLang="ko-KR" dirty="0" err="1" smtClean="0"/>
               <a:t>gitignore</a:t>
             </a:r>
             <a:r>
-              <a:rPr lang="en-US" altLang="ko-KR" dirty="0"/>
+              <a:rPr lang="en-US" altLang="ko-KR" dirty="0" smtClean="0"/>
               <a:t> </a:t>
             </a:r>
             <a:r>
-              <a:rPr lang="ko-KR" altLang="en-US" dirty="0"/>
+              <a:rPr lang="ko-KR" altLang="en-US" dirty="0" smtClean="0"/>
               <a:t>파일 생성</a:t>
             </a:r>
+            <a:endParaRPr lang="ko-KR" altLang="en-US" dirty="0"/>
           </a:p>
         </p:txBody>
       </p:sp>
@@ -4990,13 +4840,14 @@
           <a:lstStyle/>
           <a:p>
             <a:r>
-              <a:rPr lang="en-US" altLang="ko-KR" sz="2400" dirty="0"/>
+              <a:rPr lang="en-US" altLang="ko-KR" sz="2400" dirty="0" smtClean="0"/>
               <a:t>Repository main </a:t>
             </a:r>
             <a:r>
-              <a:rPr lang="ko-KR" altLang="en-US" sz="2400" dirty="0"/>
+              <a:rPr lang="ko-KR" altLang="en-US" sz="2400" dirty="0" smtClean="0"/>
               <a:t>폴더로 진입</a:t>
             </a:r>
+            <a:endParaRPr lang="ko-KR" altLang="en-US" sz="2400" dirty="0"/>
           </a:p>
         </p:txBody>
       </p:sp>
@@ -5061,27 +4912,27 @@
           <a:lstStyle/>
           <a:p>
             <a:r>
-              <a:rPr lang="ko-KR" altLang="en-US" sz="2400" dirty="0"/>
+              <a:rPr lang="ko-KR" altLang="en-US" sz="2400" dirty="0" smtClean="0"/>
               <a:t>텍스트 에디터 실행 </a:t>
             </a:r>
             <a:r>
-              <a:rPr lang="en-US" altLang="ko-KR" sz="2400" dirty="0"/>
+              <a:rPr lang="en-US" altLang="ko-KR" sz="2400" dirty="0" smtClean="0"/>
               <a:t>(.</a:t>
             </a:r>
             <a:r>
-              <a:rPr lang="en-US" altLang="ko-KR" sz="2400" dirty="0" err="1"/>
+              <a:rPr lang="en-US" altLang="ko-KR" sz="2400" dirty="0" err="1" smtClean="0"/>
               <a:t>gitignore</a:t>
             </a:r>
             <a:r>
-              <a:rPr lang="en-US" altLang="ko-KR" sz="2400" dirty="0"/>
+              <a:rPr lang="en-US" altLang="ko-KR" sz="2400" dirty="0" smtClean="0"/>
               <a:t> </a:t>
             </a:r>
             <a:r>
-              <a:rPr lang="ko-KR" altLang="en-US" sz="2400" dirty="0"/>
+              <a:rPr lang="ko-KR" altLang="en-US" sz="2400" dirty="0" smtClean="0"/>
               <a:t>파일 생성</a:t>
             </a:r>
             <a:r>
-              <a:rPr lang="en-US" altLang="ko-KR" sz="2400" dirty="0"/>
+              <a:rPr lang="en-US" altLang="ko-KR" sz="2400" dirty="0" smtClean="0"/>
               <a:t>)</a:t>
             </a:r>
             <a:endParaRPr lang="ko-KR" altLang="en-US" sz="2400" dirty="0"/>
@@ -5282,14 +5133,14 @@
           <a:lstStyle/>
           <a:p>
             <a:r>
-              <a:rPr lang="en-US" altLang="ko-KR" sz="3200" dirty="0"/>
+              <a:rPr lang="en-US" altLang="ko-KR" sz="3200" dirty="0" smtClean="0"/>
               <a:t>vim </a:t>
             </a:r>
             <a:r>
-              <a:rPr lang="ko-KR" altLang="en-US" sz="3200" dirty="0"/>
+              <a:rPr lang="ko-KR" altLang="en-US" sz="3200" dirty="0" smtClean="0"/>
               <a:t>에디터 화면</a:t>
             </a:r>
-            <a:endParaRPr lang="en-US" altLang="ko-KR" sz="3200" dirty="0"/>
+            <a:endParaRPr lang="en-US" altLang="ko-KR" sz="3200" dirty="0" smtClean="0"/>
           </a:p>
           <a:p>
             <a:endParaRPr lang="en-US" altLang="ko-KR" sz="3200" dirty="0"/>
@@ -5300,10 +5151,10 @@
               <a:buChar char="-"/>
             </a:pPr>
             <a:r>
-              <a:rPr lang="ko-KR" altLang="en-US" sz="3200" dirty="0"/>
+              <a:rPr lang="ko-KR" altLang="en-US" sz="3200" dirty="0" smtClean="0"/>
               <a:t>에디터에 관련된 내용은 각자 공부</a:t>
             </a:r>
-            <a:endParaRPr lang="en-US" altLang="ko-KR" sz="3200" dirty="0"/>
+            <a:endParaRPr lang="en-US" altLang="ko-KR" sz="3200" dirty="0" smtClean="0"/>
           </a:p>
         </p:txBody>
       </p:sp>
@@ -5425,35 +5276,35 @@
           <a:lstStyle/>
           <a:p>
             <a:r>
-              <a:rPr lang="ko-KR" altLang="en-US" sz="2800" dirty="0"/>
+              <a:rPr lang="ko-KR" altLang="en-US" sz="2800" dirty="0" smtClean="0"/>
               <a:t>키보드 </a:t>
             </a:r>
             <a:r>
-              <a:rPr lang="en-US" altLang="ko-KR" sz="2800" dirty="0"/>
+              <a:rPr lang="en-US" altLang="ko-KR" sz="2800" dirty="0" smtClean="0"/>
               <a:t>‘</a:t>
             </a:r>
             <a:r>
-              <a:rPr lang="en-US" altLang="ko-KR" sz="2800" dirty="0" err="1"/>
+              <a:rPr lang="en-US" altLang="ko-KR" sz="2800" dirty="0" err="1" smtClean="0"/>
               <a:t>i</a:t>
             </a:r>
             <a:r>
-              <a:rPr lang="en-US" altLang="ko-KR" sz="2800" dirty="0"/>
+              <a:rPr lang="en-US" altLang="ko-KR" sz="2800" dirty="0" smtClean="0"/>
               <a:t>‘ </a:t>
             </a:r>
             <a:r>
-              <a:rPr lang="ko-KR" altLang="en-US" sz="2800" dirty="0"/>
+              <a:rPr lang="ko-KR" altLang="en-US" sz="2800" dirty="0" smtClean="0"/>
               <a:t>누름 </a:t>
             </a:r>
             <a:r>
-              <a:rPr lang="en-US" altLang="ko-KR" sz="2800" dirty="0"/>
+              <a:rPr lang="en-US" altLang="ko-KR" sz="2800" dirty="0" smtClean="0"/>
               <a:t>(</a:t>
             </a:r>
             <a:r>
-              <a:rPr lang="ko-KR" altLang="en-US" sz="2800" dirty="0"/>
+              <a:rPr lang="ko-KR" altLang="en-US" sz="2800" dirty="0" smtClean="0"/>
               <a:t>텍스트 입력 모드로 전환됨</a:t>
             </a:r>
             <a:r>
-              <a:rPr lang="en-US" altLang="ko-KR" sz="2800" dirty="0"/>
+              <a:rPr lang="en-US" altLang="ko-KR" sz="2800" dirty="0" smtClean="0"/>
               <a:t>)</a:t>
             </a:r>
             <a:endParaRPr lang="ko-KR" altLang="en-US" sz="2800" dirty="0"/>
@@ -5620,9 +5471,10 @@
           <a:lstStyle/>
           <a:p>
             <a:r>
-              <a:rPr lang="ko-KR" altLang="en-US" dirty="0"/>
+              <a:rPr lang="ko-KR" altLang="en-US" dirty="0" smtClean="0"/>
               <a:t>목차</a:t>
             </a:r>
+            <a:endParaRPr lang="ko-KR" altLang="en-US" dirty="0"/>
           </a:p>
         </p:txBody>
       </p:sp>
@@ -5642,32 +5494,32 @@
           <a:lstStyle/>
           <a:p>
             <a:r>
-              <a:rPr lang="en-US" altLang="ko-KR" dirty="0"/>
+              <a:rPr lang="en-US" altLang="ko-KR" dirty="0" smtClean="0"/>
               <a:t>Object</a:t>
             </a:r>
             <a:r>
-              <a:rPr lang="ko-KR" altLang="en-US" dirty="0"/>
+              <a:rPr lang="ko-KR" altLang="en-US" dirty="0" smtClean="0"/>
               <a:t> 클래스</a:t>
             </a:r>
+            <a:endParaRPr lang="en-US" altLang="ko-KR" dirty="0" smtClean="0"/>
+          </a:p>
+          <a:p>
             <a:endParaRPr lang="en-US" altLang="ko-KR" dirty="0"/>
           </a:p>
           <a:p>
-            <a:endParaRPr lang="en-US" altLang="ko-KR" dirty="0"/>
-          </a:p>
-          <a:p>
-            <a:r>
-              <a:rPr lang="en-US" altLang="ko-KR" dirty="0" err="1"/>
+            <a:r>
+              <a:rPr lang="en-US" altLang="ko-KR" dirty="0" err="1" smtClean="0"/>
               <a:t>GitLab</a:t>
             </a:r>
             <a:r>
-              <a:rPr lang="en-US" altLang="ko-KR" dirty="0"/>
+              <a:rPr lang="en-US" altLang="ko-KR" dirty="0" smtClean="0"/>
               <a:t> </a:t>
             </a:r>
             <a:r>
-              <a:rPr lang="ko-KR" altLang="en-US" dirty="0"/>
+              <a:rPr lang="ko-KR" altLang="en-US" dirty="0" smtClean="0"/>
               <a:t>연동</a:t>
             </a:r>
-            <a:endParaRPr lang="en-US" altLang="ko-KR" dirty="0"/>
+            <a:endParaRPr lang="en-US" altLang="ko-KR" dirty="0" smtClean="0"/>
           </a:p>
         </p:txBody>
       </p:sp>
@@ -5744,7 +5596,7 @@
         </p:nvSpPr>
         <p:spPr>
           <a:xfrm>
-            <a:off x="2743200" y="4367213"/>
+            <a:off x="1152002" y="4285352"/>
             <a:ext cx="7658100" cy="954107"/>
           </a:xfrm>
           <a:prstGeom prst="rect">
@@ -5759,61 +5611,61 @@
           <a:lstStyle/>
           <a:p>
             <a:r>
-              <a:rPr lang="ko-KR" altLang="en-US" sz="2800" dirty="0"/>
+              <a:rPr lang="ko-KR" altLang="en-US" sz="2800" dirty="0" smtClean="0"/>
               <a:t>키보드 </a:t>
             </a:r>
             <a:r>
-              <a:rPr lang="en-US" altLang="ko-KR" sz="2800" dirty="0"/>
+              <a:rPr lang="en-US" altLang="ko-KR" sz="2800" dirty="0" smtClean="0"/>
               <a:t>ESC </a:t>
             </a:r>
             <a:r>
-              <a:rPr lang="ko-KR" altLang="en-US" sz="2800" dirty="0"/>
+              <a:rPr lang="ko-KR" altLang="en-US" sz="2800" dirty="0" smtClean="0"/>
               <a:t>누름 </a:t>
             </a:r>
             <a:r>
-              <a:rPr lang="en-US" altLang="ko-KR" sz="2800" dirty="0"/>
+              <a:rPr lang="en-US" altLang="ko-KR" sz="2800" dirty="0" smtClean="0"/>
               <a:t>(</a:t>
             </a:r>
             <a:r>
-              <a:rPr lang="ko-KR" altLang="en-US" sz="2800" dirty="0"/>
+              <a:rPr lang="ko-KR" altLang="en-US" sz="2800" dirty="0" smtClean="0"/>
               <a:t>명령어 입력 모드로 전환됨</a:t>
             </a:r>
             <a:r>
-              <a:rPr lang="en-US" altLang="ko-KR" sz="2800" dirty="0"/>
+              <a:rPr lang="en-US" altLang="ko-KR" sz="2800" dirty="0" smtClean="0"/>
               <a:t>)</a:t>
             </a:r>
           </a:p>
           <a:p>
             <a:r>
-              <a:rPr lang="en-US" altLang="ko-KR" sz="2800" dirty="0"/>
+              <a:rPr lang="en-US" altLang="ko-KR" sz="2800" dirty="0" smtClean="0"/>
               <a:t>:</a:t>
             </a:r>
             <a:r>
-              <a:rPr lang="en-US" altLang="ko-KR" sz="2800" dirty="0" err="1"/>
+              <a:rPr lang="en-US" altLang="ko-KR" sz="2800" dirty="0" err="1" smtClean="0"/>
               <a:t>ws</a:t>
             </a:r>
             <a:r>
-              <a:rPr lang="en-US" altLang="ko-KR" sz="2800" dirty="0"/>
+              <a:rPr lang="en-US" altLang="ko-KR" sz="2800" dirty="0" smtClean="0"/>
               <a:t> (</a:t>
             </a:r>
             <a:r>
-              <a:rPr lang="ko-KR" altLang="en-US" sz="2800" dirty="0"/>
+              <a:rPr lang="ko-KR" altLang="en-US" sz="2800" dirty="0" smtClean="0"/>
               <a:t>콜론</a:t>
             </a:r>
             <a:r>
-              <a:rPr lang="en-US" altLang="ko-KR" sz="2800" dirty="0"/>
+              <a:rPr lang="en-US" altLang="ko-KR" sz="2800" dirty="0" smtClean="0"/>
               <a:t> w s </a:t>
             </a:r>
             <a:r>
-              <a:rPr lang="ko-KR" altLang="en-US" sz="2800" dirty="0"/>
+              <a:rPr lang="ko-KR" altLang="en-US" sz="2800" dirty="0" smtClean="0"/>
               <a:t>순으로 입력 후 </a:t>
             </a:r>
             <a:r>
-              <a:rPr lang="ko-KR" altLang="en-US" sz="2800" dirty="0" err="1"/>
+              <a:rPr lang="ko-KR" altLang="en-US" sz="2800" dirty="0" err="1" smtClean="0"/>
               <a:t>엔터</a:t>
             </a:r>
             <a:r>
-              <a:rPr lang="en-US" altLang="ko-KR" sz="2800" dirty="0"/>
+              <a:rPr lang="en-US" altLang="ko-KR" sz="2800" dirty="0" smtClean="0"/>
               <a:t>)</a:t>
             </a:r>
           </a:p>
@@ -5864,14 +5716,829 @@
         </p:blipFill>
         <p:spPr>
           <a:xfrm>
-            <a:off x="519112" y="1658958"/>
-            <a:ext cx="11344275" cy="2676525"/>
+            <a:off x="1483617" y="2230046"/>
+            <a:ext cx="3288800" cy="1597809"/>
           </a:xfrm>
           <a:prstGeom prst="rect">
             <a:avLst/>
           </a:prstGeom>
         </p:spPr>
       </p:pic>
+      <p:sp>
+        <p:nvSpPr>
+          <p:cNvPr id="3" name="Rectangle 1"/>
+          <p:cNvSpPr>
+            <a:spLocks noChangeArrowheads="1"/>
+          </p:cNvSpPr>
+          <p:nvPr/>
+        </p:nvSpPr>
+        <p:spPr bwMode="auto">
+          <a:xfrm>
+            <a:off x="10056479" y="1202234"/>
+            <a:ext cx="2135521" cy="3693319"/>
+          </a:xfrm>
+          <a:prstGeom prst="rect">
+            <a:avLst/>
+          </a:prstGeom>
+          <a:noFill/>
+          <a:ln>
+            <a:noFill/>
+          </a:ln>
+          <a:effectLst/>
+          <a:extLst>
+            <a:ext uri="{909E8E84-426E-40DD-AFC4-6F175D3DCCD1}">
+              <a14:hiddenFill xmlns:a14="http://schemas.microsoft.com/office/drawing/2010/main">
+                <a:solidFill>
+                  <a:schemeClr val="accent1"/>
+                </a:solidFill>
+              </a14:hiddenFill>
+            </a:ext>
+            <a:ext uri="{91240B29-F687-4F45-9708-019B960494DF}">
+              <a14:hiddenLine xmlns:a14="http://schemas.microsoft.com/office/drawing/2010/main" w="9525">
+                <a:solidFill>
+                  <a:schemeClr val="tx1"/>
+                </a:solidFill>
+                <a:miter lim="800000"/>
+                <a:headEnd/>
+                <a:tailEnd/>
+              </a14:hiddenLine>
+            </a:ext>
+            <a:ext uri="{AF507438-7753-43E0-B8FC-AC1667EBCBE1}">
+              <a14:hiddenEffects xmlns:a14="http://schemas.microsoft.com/office/drawing/2010/main">
+                <a:effectLst>
+                  <a:outerShdw dist="35921" dir="2700000" algn="ctr" rotWithShape="0">
+                    <a:schemeClr val="bg2"/>
+                  </a:outerShdw>
+                </a:effectLst>
+              </a14:hiddenEffects>
+            </a:ext>
+          </a:extLst>
+        </p:spPr>
+        <p:txBody>
+          <a:bodyPr vert="horz" wrap="none" lIns="91440" tIns="45720" rIns="91440" bIns="45720" numCol="1" anchor="ctr" anchorCtr="0" compatLnSpc="1">
+            <a:prstTxWarp prst="textNoShape">
+              <a:avLst/>
+            </a:prstTxWarp>
+            <a:spAutoFit/>
+          </a:bodyPr>
+          <a:lstStyle/>
+          <a:p>
+            <a:pPr marL="0" marR="0" lvl="0" indent="0" algn="l" defTabSz="914400" rtl="0" eaLnBrk="0" fontAlgn="base" latinLnBrk="0" hangingPunct="0">
+              <a:lnSpc>
+                <a:spcPct val="100000"/>
+              </a:lnSpc>
+              <a:spcBef>
+                <a:spcPct val="0"/>
+              </a:spcBef>
+              <a:spcAft>
+                <a:spcPct val="0"/>
+              </a:spcAft>
+              <a:buClrTx/>
+              <a:buSzTx/>
+              <a:buFontTx/>
+              <a:buNone/>
+              <a:tabLst/>
+            </a:pPr>
+            <a:r>
+              <a:rPr kumimoji="0" lang="ko-KR" altLang="ko-KR" b="0" i="0" u="none" strike="noStrike" cap="none" normalizeH="0" baseline="0" dirty="0" smtClean="0">
+                <a:ln>
+                  <a:noFill/>
+                </a:ln>
+                <a:effectLst/>
+                <a:latin typeface="Arial Unicode MS"/>
+              </a:rPr>
+              <a:t>/.</a:t>
+            </a:r>
+            <a:r>
+              <a:rPr kumimoji="0" lang="ko-KR" altLang="ko-KR" b="0" i="0" u="none" strike="noStrike" cap="none" normalizeH="0" baseline="0" dirty="0" err="1" smtClean="0">
+                <a:ln>
+                  <a:noFill/>
+                </a:ln>
+                <a:effectLst/>
+                <a:latin typeface="Arial Unicode MS"/>
+              </a:rPr>
+              <a:t>vs</a:t>
+            </a:r>
+            <a:r>
+              <a:rPr kumimoji="0" lang="ko-KR" altLang="ko-KR" b="0" i="0" u="none" strike="noStrike" cap="none" normalizeH="0" baseline="0" dirty="0" smtClean="0">
+                <a:ln>
+                  <a:noFill/>
+                </a:ln>
+                <a:effectLst/>
+                <a:latin typeface="Arial Unicode MS"/>
+              </a:rPr>
+              <a:t> </a:t>
+            </a:r>
+            <a:endParaRPr kumimoji="0" lang="en-US" altLang="ko-KR" b="0" i="0" u="none" strike="noStrike" cap="none" normalizeH="0" baseline="0" dirty="0" smtClean="0">
+              <a:ln>
+                <a:noFill/>
+              </a:ln>
+              <a:effectLst/>
+              <a:latin typeface="Arial Unicode MS"/>
+            </a:endParaRPr>
+          </a:p>
+          <a:p>
+            <a:pPr marL="0" marR="0" lvl="0" indent="0" algn="l" defTabSz="914400" rtl="0" eaLnBrk="0" fontAlgn="base" latinLnBrk="0" hangingPunct="0">
+              <a:lnSpc>
+                <a:spcPct val="100000"/>
+              </a:lnSpc>
+              <a:spcBef>
+                <a:spcPct val="0"/>
+              </a:spcBef>
+              <a:spcAft>
+                <a:spcPct val="0"/>
+              </a:spcAft>
+              <a:buClrTx/>
+              <a:buSzTx/>
+              <a:buFontTx/>
+              <a:buNone/>
+              <a:tabLst/>
+            </a:pPr>
+            <a:r>
+              <a:rPr kumimoji="0" lang="ko-KR" altLang="ko-KR" b="0" i="0" u="none" strike="noStrike" cap="none" normalizeH="0" baseline="0" dirty="0" smtClean="0">
+                <a:ln>
+                  <a:noFill/>
+                </a:ln>
+                <a:effectLst/>
+                <a:latin typeface="Arial Unicode MS"/>
+              </a:rPr>
+              <a:t>/</a:t>
+            </a:r>
+            <a:r>
+              <a:rPr kumimoji="0" lang="ko-KR" altLang="ko-KR" b="0" i="0" u="none" strike="noStrike" cap="none" normalizeH="0" baseline="0" dirty="0" err="1" smtClean="0">
+                <a:ln>
+                  <a:noFill/>
+                </a:ln>
+                <a:effectLst/>
+                <a:latin typeface="Arial Unicode MS"/>
+              </a:rPr>
+              <a:t>simplegame</a:t>
+            </a:r>
+            <a:r>
+              <a:rPr kumimoji="0" lang="ko-KR" altLang="ko-KR" b="0" i="0" u="none" strike="noStrike" cap="none" normalizeH="0" baseline="0" dirty="0" smtClean="0">
+                <a:ln>
+                  <a:noFill/>
+                </a:ln>
+                <a:effectLst/>
+                <a:latin typeface="Arial Unicode MS"/>
+              </a:rPr>
+              <a:t>/x64 </a:t>
+            </a:r>
+            <a:endParaRPr kumimoji="0" lang="en-US" altLang="ko-KR" b="0" i="0" u="none" strike="noStrike" cap="none" normalizeH="0" baseline="0" dirty="0" smtClean="0">
+              <a:ln>
+                <a:noFill/>
+              </a:ln>
+              <a:effectLst/>
+              <a:latin typeface="Arial Unicode MS"/>
+            </a:endParaRPr>
+          </a:p>
+          <a:p>
+            <a:pPr marL="0" marR="0" lvl="0" indent="0" algn="l" defTabSz="914400" rtl="0" eaLnBrk="0" fontAlgn="base" latinLnBrk="0" hangingPunct="0">
+              <a:lnSpc>
+                <a:spcPct val="100000"/>
+              </a:lnSpc>
+              <a:spcBef>
+                <a:spcPct val="0"/>
+              </a:spcBef>
+              <a:spcAft>
+                <a:spcPct val="0"/>
+              </a:spcAft>
+              <a:buClrTx/>
+              <a:buSzTx/>
+              <a:buFontTx/>
+              <a:buNone/>
+              <a:tabLst/>
+            </a:pPr>
+            <a:r>
+              <a:rPr kumimoji="0" lang="ko-KR" altLang="ko-KR" b="0" i="0" u="none" strike="noStrike" cap="none" normalizeH="0" baseline="0" dirty="0" smtClean="0">
+                <a:ln>
+                  <a:noFill/>
+                </a:ln>
+                <a:effectLst/>
+                <a:latin typeface="Arial Unicode MS"/>
+              </a:rPr>
+              <a:t>*.</a:t>
+            </a:r>
+            <a:r>
+              <a:rPr kumimoji="0" lang="ko-KR" altLang="ko-KR" b="0" i="0" u="none" strike="noStrike" cap="none" normalizeH="0" baseline="0" dirty="0" err="1" smtClean="0">
+                <a:ln>
+                  <a:noFill/>
+                </a:ln>
+                <a:effectLst/>
+                <a:latin typeface="Arial Unicode MS"/>
+              </a:rPr>
+              <a:t>exe</a:t>
+            </a:r>
+            <a:r>
+              <a:rPr kumimoji="0" lang="ko-KR" altLang="ko-KR" b="0" i="0" u="none" strike="noStrike" cap="none" normalizeH="0" baseline="0" dirty="0" smtClean="0">
+                <a:ln>
+                  <a:noFill/>
+                </a:ln>
+                <a:effectLst/>
+                <a:latin typeface="Arial Unicode MS"/>
+              </a:rPr>
+              <a:t> </a:t>
+            </a:r>
+            <a:endParaRPr kumimoji="0" lang="en-US" altLang="ko-KR" b="0" i="0" u="none" strike="noStrike" cap="none" normalizeH="0" baseline="0" dirty="0" smtClean="0">
+              <a:ln>
+                <a:noFill/>
+              </a:ln>
+              <a:effectLst/>
+              <a:latin typeface="Arial Unicode MS"/>
+            </a:endParaRPr>
+          </a:p>
+          <a:p>
+            <a:pPr marL="0" marR="0" lvl="0" indent="0" algn="l" defTabSz="914400" rtl="0" eaLnBrk="0" fontAlgn="base" latinLnBrk="0" hangingPunct="0">
+              <a:lnSpc>
+                <a:spcPct val="100000"/>
+              </a:lnSpc>
+              <a:spcBef>
+                <a:spcPct val="0"/>
+              </a:spcBef>
+              <a:spcAft>
+                <a:spcPct val="0"/>
+              </a:spcAft>
+              <a:buClrTx/>
+              <a:buSzTx/>
+              <a:buFontTx/>
+              <a:buNone/>
+              <a:tabLst/>
+            </a:pPr>
+            <a:r>
+              <a:rPr kumimoji="0" lang="ko-KR" altLang="ko-KR" b="0" i="0" u="none" strike="noStrike" cap="none" normalizeH="0" baseline="0" dirty="0" smtClean="0">
+                <a:ln>
+                  <a:noFill/>
+                </a:ln>
+                <a:effectLst/>
+                <a:latin typeface="Arial Unicode MS"/>
+              </a:rPr>
+              <a:t>*.</a:t>
+            </a:r>
+            <a:r>
+              <a:rPr kumimoji="0" lang="ko-KR" altLang="ko-KR" b="0" i="0" u="none" strike="noStrike" cap="none" normalizeH="0" baseline="0" dirty="0" err="1" smtClean="0">
+                <a:ln>
+                  <a:noFill/>
+                </a:ln>
+                <a:effectLst/>
+                <a:latin typeface="Arial Unicode MS"/>
+              </a:rPr>
+              <a:t>ilk</a:t>
+            </a:r>
+            <a:r>
+              <a:rPr kumimoji="0" lang="ko-KR" altLang="ko-KR" b="0" i="0" u="none" strike="noStrike" cap="none" normalizeH="0" baseline="0" dirty="0" smtClean="0">
+                <a:ln>
+                  <a:noFill/>
+                </a:ln>
+                <a:effectLst/>
+                <a:latin typeface="Arial Unicode MS"/>
+              </a:rPr>
+              <a:t> </a:t>
+            </a:r>
+            <a:endParaRPr kumimoji="0" lang="en-US" altLang="ko-KR" b="0" i="0" u="none" strike="noStrike" cap="none" normalizeH="0" baseline="0" dirty="0" smtClean="0">
+              <a:ln>
+                <a:noFill/>
+              </a:ln>
+              <a:effectLst/>
+              <a:latin typeface="Arial Unicode MS"/>
+            </a:endParaRPr>
+          </a:p>
+          <a:p>
+            <a:pPr marL="0" marR="0" lvl="0" indent="0" algn="l" defTabSz="914400" rtl="0" eaLnBrk="0" fontAlgn="base" latinLnBrk="0" hangingPunct="0">
+              <a:lnSpc>
+                <a:spcPct val="100000"/>
+              </a:lnSpc>
+              <a:spcBef>
+                <a:spcPct val="0"/>
+              </a:spcBef>
+              <a:spcAft>
+                <a:spcPct val="0"/>
+              </a:spcAft>
+              <a:buClrTx/>
+              <a:buSzTx/>
+              <a:buFontTx/>
+              <a:buNone/>
+              <a:tabLst/>
+            </a:pPr>
+            <a:r>
+              <a:rPr kumimoji="0" lang="ko-KR" altLang="ko-KR" b="0" i="0" u="none" strike="noStrike" cap="none" normalizeH="0" baseline="0" dirty="0" smtClean="0">
+                <a:ln>
+                  <a:noFill/>
+                </a:ln>
+                <a:effectLst/>
+                <a:latin typeface="Arial Unicode MS"/>
+              </a:rPr>
+              <a:t>*.</a:t>
+            </a:r>
+            <a:r>
+              <a:rPr kumimoji="0" lang="ko-KR" altLang="ko-KR" b="0" i="0" u="none" strike="noStrike" cap="none" normalizeH="0" baseline="0" dirty="0" err="1" smtClean="0">
+                <a:ln>
+                  <a:noFill/>
+                </a:ln>
+                <a:effectLst/>
+                <a:latin typeface="Arial Unicode MS"/>
+              </a:rPr>
+              <a:t>pdb</a:t>
+            </a:r>
+            <a:r>
+              <a:rPr kumimoji="0" lang="ko-KR" altLang="ko-KR" b="0" i="0" u="none" strike="noStrike" cap="none" normalizeH="0" baseline="0" dirty="0" smtClean="0">
+                <a:ln>
+                  <a:noFill/>
+                </a:ln>
+                <a:effectLst/>
+                <a:latin typeface="Arial Unicode MS"/>
+              </a:rPr>
+              <a:t> </a:t>
+            </a:r>
+            <a:endParaRPr kumimoji="0" lang="en-US" altLang="ko-KR" b="0" i="0" u="none" strike="noStrike" cap="none" normalizeH="0" baseline="0" dirty="0" smtClean="0">
+              <a:ln>
+                <a:noFill/>
+              </a:ln>
+              <a:effectLst/>
+              <a:latin typeface="Arial Unicode MS"/>
+            </a:endParaRPr>
+          </a:p>
+          <a:p>
+            <a:pPr marL="0" marR="0" lvl="0" indent="0" algn="l" defTabSz="914400" rtl="0" eaLnBrk="0" fontAlgn="base" latinLnBrk="0" hangingPunct="0">
+              <a:lnSpc>
+                <a:spcPct val="100000"/>
+              </a:lnSpc>
+              <a:spcBef>
+                <a:spcPct val="0"/>
+              </a:spcBef>
+              <a:spcAft>
+                <a:spcPct val="0"/>
+              </a:spcAft>
+              <a:buClrTx/>
+              <a:buSzTx/>
+              <a:buFontTx/>
+              <a:buNone/>
+              <a:tabLst/>
+            </a:pPr>
+            <a:r>
+              <a:rPr kumimoji="0" lang="ko-KR" altLang="ko-KR" b="0" i="0" u="none" strike="noStrike" cap="none" normalizeH="0" baseline="0" dirty="0" smtClean="0">
+                <a:ln>
+                  <a:noFill/>
+                </a:ln>
+                <a:effectLst/>
+                <a:latin typeface="Arial Unicode MS"/>
+              </a:rPr>
+              <a:t>*.</a:t>
+            </a:r>
+            <a:r>
+              <a:rPr kumimoji="0" lang="ko-KR" altLang="ko-KR" b="0" i="0" u="none" strike="noStrike" cap="none" normalizeH="0" baseline="0" dirty="0" err="1" smtClean="0">
+                <a:ln>
+                  <a:noFill/>
+                </a:ln>
+                <a:effectLst/>
+                <a:latin typeface="Arial Unicode MS"/>
+              </a:rPr>
+              <a:t>obj</a:t>
+            </a:r>
+            <a:r>
+              <a:rPr kumimoji="0" lang="ko-KR" altLang="ko-KR" b="0" i="0" u="none" strike="noStrike" cap="none" normalizeH="0" baseline="0" dirty="0" smtClean="0">
+                <a:ln>
+                  <a:noFill/>
+                </a:ln>
+                <a:effectLst/>
+                <a:latin typeface="Arial Unicode MS"/>
+              </a:rPr>
+              <a:t> </a:t>
+            </a:r>
+            <a:endParaRPr kumimoji="0" lang="en-US" altLang="ko-KR" b="0" i="0" u="none" strike="noStrike" cap="none" normalizeH="0" baseline="0" dirty="0" smtClean="0">
+              <a:ln>
+                <a:noFill/>
+              </a:ln>
+              <a:effectLst/>
+              <a:latin typeface="Arial Unicode MS"/>
+            </a:endParaRPr>
+          </a:p>
+          <a:p>
+            <a:pPr marL="0" marR="0" lvl="0" indent="0" algn="l" defTabSz="914400" rtl="0" eaLnBrk="0" fontAlgn="base" latinLnBrk="0" hangingPunct="0">
+              <a:lnSpc>
+                <a:spcPct val="100000"/>
+              </a:lnSpc>
+              <a:spcBef>
+                <a:spcPct val="0"/>
+              </a:spcBef>
+              <a:spcAft>
+                <a:spcPct val="0"/>
+              </a:spcAft>
+              <a:buClrTx/>
+              <a:buSzTx/>
+              <a:buFontTx/>
+              <a:buNone/>
+              <a:tabLst/>
+            </a:pPr>
+            <a:r>
+              <a:rPr kumimoji="0" lang="ko-KR" altLang="ko-KR" b="0" i="0" u="none" strike="noStrike" cap="none" normalizeH="0" baseline="0" dirty="0" smtClean="0">
+                <a:ln>
+                  <a:noFill/>
+                </a:ln>
+                <a:effectLst/>
+                <a:latin typeface="Arial Unicode MS"/>
+              </a:rPr>
+              <a:t>*.</a:t>
+            </a:r>
+            <a:r>
+              <a:rPr kumimoji="0" lang="ko-KR" altLang="ko-KR" b="0" i="0" u="none" strike="noStrike" cap="none" normalizeH="0" baseline="0" dirty="0" err="1" smtClean="0">
+                <a:ln>
+                  <a:noFill/>
+                </a:ln>
+                <a:effectLst/>
+                <a:latin typeface="Arial Unicode MS"/>
+              </a:rPr>
+              <a:t>log</a:t>
+            </a:r>
+            <a:r>
+              <a:rPr kumimoji="0" lang="ko-KR" altLang="ko-KR" b="0" i="0" u="none" strike="noStrike" cap="none" normalizeH="0" baseline="0" dirty="0" smtClean="0">
+                <a:ln>
+                  <a:noFill/>
+                </a:ln>
+                <a:effectLst/>
+                <a:latin typeface="Arial Unicode MS"/>
+              </a:rPr>
+              <a:t> </a:t>
+            </a:r>
+            <a:endParaRPr kumimoji="0" lang="en-US" altLang="ko-KR" b="0" i="0" u="none" strike="noStrike" cap="none" normalizeH="0" baseline="0" dirty="0" smtClean="0">
+              <a:ln>
+                <a:noFill/>
+              </a:ln>
+              <a:effectLst/>
+              <a:latin typeface="Arial Unicode MS"/>
+            </a:endParaRPr>
+          </a:p>
+          <a:p>
+            <a:pPr marL="0" marR="0" lvl="0" indent="0" algn="l" defTabSz="914400" rtl="0" eaLnBrk="0" fontAlgn="base" latinLnBrk="0" hangingPunct="0">
+              <a:lnSpc>
+                <a:spcPct val="100000"/>
+              </a:lnSpc>
+              <a:spcBef>
+                <a:spcPct val="0"/>
+              </a:spcBef>
+              <a:spcAft>
+                <a:spcPct val="0"/>
+              </a:spcAft>
+              <a:buClrTx/>
+              <a:buSzTx/>
+              <a:buFontTx/>
+              <a:buNone/>
+              <a:tabLst/>
+            </a:pPr>
+            <a:r>
+              <a:rPr kumimoji="0" lang="ko-KR" altLang="ko-KR" b="0" i="0" u="none" strike="noStrike" cap="none" normalizeH="0" baseline="0" dirty="0" smtClean="0">
+                <a:ln>
+                  <a:noFill/>
+                </a:ln>
+                <a:effectLst/>
+                <a:latin typeface="Arial Unicode MS"/>
+              </a:rPr>
+              <a:t>*.</a:t>
+            </a:r>
+            <a:r>
+              <a:rPr kumimoji="0" lang="ko-KR" altLang="ko-KR" b="0" i="0" u="none" strike="noStrike" cap="none" normalizeH="0" baseline="0" dirty="0" err="1" smtClean="0">
+                <a:ln>
+                  <a:noFill/>
+                </a:ln>
+                <a:effectLst/>
+                <a:latin typeface="Arial Unicode MS"/>
+              </a:rPr>
+              <a:t>pch</a:t>
+            </a:r>
+            <a:r>
+              <a:rPr kumimoji="0" lang="ko-KR" altLang="ko-KR" b="0" i="0" u="none" strike="noStrike" cap="none" normalizeH="0" baseline="0" dirty="0" smtClean="0">
+                <a:ln>
+                  <a:noFill/>
+                </a:ln>
+                <a:effectLst/>
+                <a:latin typeface="Arial Unicode MS"/>
+              </a:rPr>
+              <a:t> </a:t>
+            </a:r>
+            <a:endParaRPr kumimoji="0" lang="en-US" altLang="ko-KR" b="0" i="0" u="none" strike="noStrike" cap="none" normalizeH="0" baseline="0" dirty="0" smtClean="0">
+              <a:ln>
+                <a:noFill/>
+              </a:ln>
+              <a:effectLst/>
+              <a:latin typeface="Arial Unicode MS"/>
+            </a:endParaRPr>
+          </a:p>
+          <a:p>
+            <a:pPr marL="0" marR="0" lvl="0" indent="0" algn="l" defTabSz="914400" rtl="0" eaLnBrk="0" fontAlgn="base" latinLnBrk="0" hangingPunct="0">
+              <a:lnSpc>
+                <a:spcPct val="100000"/>
+              </a:lnSpc>
+              <a:spcBef>
+                <a:spcPct val="0"/>
+              </a:spcBef>
+              <a:spcAft>
+                <a:spcPct val="0"/>
+              </a:spcAft>
+              <a:buClrTx/>
+              <a:buSzTx/>
+              <a:buFontTx/>
+              <a:buNone/>
+              <a:tabLst/>
+            </a:pPr>
+            <a:r>
+              <a:rPr kumimoji="0" lang="ko-KR" altLang="ko-KR" b="0" i="0" u="none" strike="noStrike" cap="none" normalizeH="0" baseline="0" dirty="0" smtClean="0">
+                <a:ln>
+                  <a:noFill/>
+                </a:ln>
+                <a:effectLst/>
+                <a:latin typeface="Arial Unicode MS"/>
+              </a:rPr>
+              <a:t>*.</a:t>
+            </a:r>
+            <a:r>
+              <a:rPr kumimoji="0" lang="ko-KR" altLang="ko-KR" b="0" i="0" u="none" strike="noStrike" cap="none" normalizeH="0" baseline="0" dirty="0" err="1" smtClean="0">
+                <a:ln>
+                  <a:noFill/>
+                </a:ln>
+                <a:effectLst/>
+                <a:latin typeface="Arial Unicode MS"/>
+              </a:rPr>
+              <a:t>idb</a:t>
+            </a:r>
+            <a:r>
+              <a:rPr kumimoji="0" lang="ko-KR" altLang="ko-KR" b="0" i="0" u="none" strike="noStrike" cap="none" normalizeH="0" baseline="0" dirty="0" smtClean="0">
+                <a:ln>
+                  <a:noFill/>
+                </a:ln>
+                <a:effectLst/>
+                <a:latin typeface="Arial Unicode MS"/>
+              </a:rPr>
+              <a:t> </a:t>
+            </a:r>
+            <a:endParaRPr kumimoji="0" lang="en-US" altLang="ko-KR" b="0" i="0" u="none" strike="noStrike" cap="none" normalizeH="0" baseline="0" dirty="0" smtClean="0">
+              <a:ln>
+                <a:noFill/>
+              </a:ln>
+              <a:effectLst/>
+              <a:latin typeface="Arial Unicode MS"/>
+            </a:endParaRPr>
+          </a:p>
+          <a:p>
+            <a:pPr marL="0" marR="0" lvl="0" indent="0" algn="l" defTabSz="914400" rtl="0" eaLnBrk="0" fontAlgn="base" latinLnBrk="0" hangingPunct="0">
+              <a:lnSpc>
+                <a:spcPct val="100000"/>
+              </a:lnSpc>
+              <a:spcBef>
+                <a:spcPct val="0"/>
+              </a:spcBef>
+              <a:spcAft>
+                <a:spcPct val="0"/>
+              </a:spcAft>
+              <a:buClrTx/>
+              <a:buSzTx/>
+              <a:buFontTx/>
+              <a:buNone/>
+              <a:tabLst/>
+            </a:pPr>
+            <a:r>
+              <a:rPr kumimoji="0" lang="ko-KR" altLang="ko-KR" b="0" i="0" u="none" strike="noStrike" cap="none" normalizeH="0" baseline="0" dirty="0" smtClean="0">
+                <a:ln>
+                  <a:noFill/>
+                </a:ln>
+                <a:effectLst/>
+                <a:latin typeface="Arial Unicode MS"/>
+              </a:rPr>
+              <a:t>*.</a:t>
+            </a:r>
+            <a:r>
+              <a:rPr kumimoji="0" lang="ko-KR" altLang="ko-KR" b="0" i="0" u="none" strike="noStrike" cap="none" normalizeH="0" baseline="0" dirty="0" err="1" smtClean="0">
+                <a:ln>
+                  <a:noFill/>
+                </a:ln>
+                <a:effectLst/>
+                <a:latin typeface="Arial Unicode MS"/>
+              </a:rPr>
+              <a:t>tlog</a:t>
+            </a:r>
+            <a:r>
+              <a:rPr kumimoji="0" lang="ko-KR" altLang="ko-KR" b="0" i="0" u="none" strike="noStrike" cap="none" normalizeH="0" baseline="0" dirty="0" smtClean="0">
+                <a:ln>
+                  <a:noFill/>
+                </a:ln>
+                <a:effectLst/>
+                <a:latin typeface="Arial Unicode MS"/>
+              </a:rPr>
+              <a:t> </a:t>
+            </a:r>
+            <a:endParaRPr kumimoji="0" lang="en-US" altLang="ko-KR" b="0" i="0" u="none" strike="noStrike" cap="none" normalizeH="0" baseline="0" dirty="0" smtClean="0">
+              <a:ln>
+                <a:noFill/>
+              </a:ln>
+              <a:effectLst/>
+              <a:latin typeface="Arial Unicode MS"/>
+            </a:endParaRPr>
+          </a:p>
+          <a:p>
+            <a:pPr marL="0" marR="0" lvl="0" indent="0" algn="l" defTabSz="914400" rtl="0" eaLnBrk="0" fontAlgn="base" latinLnBrk="0" hangingPunct="0">
+              <a:lnSpc>
+                <a:spcPct val="100000"/>
+              </a:lnSpc>
+              <a:spcBef>
+                <a:spcPct val="0"/>
+              </a:spcBef>
+              <a:spcAft>
+                <a:spcPct val="0"/>
+              </a:spcAft>
+              <a:buClrTx/>
+              <a:buSzTx/>
+              <a:buFontTx/>
+              <a:buNone/>
+              <a:tabLst/>
+            </a:pPr>
+            <a:r>
+              <a:rPr kumimoji="0" lang="ko-KR" altLang="ko-KR" b="0" i="0" u="none" strike="noStrike" cap="none" normalizeH="0" baseline="0" dirty="0" smtClean="0">
+                <a:ln>
+                  <a:noFill/>
+                </a:ln>
+                <a:effectLst/>
+                <a:latin typeface="Arial Unicode MS"/>
+              </a:rPr>
+              <a:t>*.</a:t>
+            </a:r>
+            <a:r>
+              <a:rPr kumimoji="0" lang="ko-KR" altLang="ko-KR" b="0" i="0" u="none" strike="noStrike" cap="none" normalizeH="0" baseline="0" dirty="0" err="1" smtClean="0">
+                <a:ln>
+                  <a:noFill/>
+                </a:ln>
+                <a:effectLst/>
+                <a:latin typeface="Arial Unicode MS"/>
+              </a:rPr>
+              <a:t>lastbuildstate</a:t>
+            </a:r>
+            <a:r>
+              <a:rPr kumimoji="0" lang="ko-KR" altLang="ko-KR" b="0" i="0" u="none" strike="noStrike" cap="none" normalizeH="0" baseline="0" dirty="0" smtClean="0">
+                <a:ln>
+                  <a:noFill/>
+                </a:ln>
+                <a:effectLst/>
+                <a:latin typeface="Arial Unicode MS"/>
+              </a:rPr>
+              <a:t> </a:t>
+            </a:r>
+            <a:endParaRPr kumimoji="0" lang="en-US" altLang="ko-KR" b="0" i="0" u="none" strike="noStrike" cap="none" normalizeH="0" baseline="0" dirty="0" smtClean="0">
+              <a:ln>
+                <a:noFill/>
+              </a:ln>
+              <a:effectLst/>
+              <a:latin typeface="Arial Unicode MS"/>
+            </a:endParaRPr>
+          </a:p>
+          <a:p>
+            <a:pPr marL="0" marR="0" lvl="0" indent="0" algn="l" defTabSz="914400" rtl="0" eaLnBrk="0" fontAlgn="base" latinLnBrk="0" hangingPunct="0">
+              <a:lnSpc>
+                <a:spcPct val="100000"/>
+              </a:lnSpc>
+              <a:spcBef>
+                <a:spcPct val="0"/>
+              </a:spcBef>
+              <a:spcAft>
+                <a:spcPct val="0"/>
+              </a:spcAft>
+              <a:buClrTx/>
+              <a:buSzTx/>
+              <a:buFontTx/>
+              <a:buNone/>
+              <a:tabLst/>
+            </a:pPr>
+            <a:r>
+              <a:rPr kumimoji="0" lang="ko-KR" altLang="ko-KR" b="0" i="0" u="none" strike="noStrike" cap="none" normalizeH="0" baseline="0" dirty="0" smtClean="0">
+                <a:ln>
+                  <a:noFill/>
+                </a:ln>
+                <a:effectLst/>
+                <a:latin typeface="Arial Unicode MS"/>
+              </a:rPr>
+              <a:t>*.</a:t>
+            </a:r>
+            <a:r>
+              <a:rPr kumimoji="0" lang="ko-KR" altLang="ko-KR" b="0" i="0" u="none" strike="noStrike" cap="none" normalizeH="0" baseline="0" dirty="0" err="1" smtClean="0">
+                <a:ln>
+                  <a:noFill/>
+                </a:ln>
+                <a:effectLst/>
+                <a:latin typeface="Arial Unicode MS"/>
+              </a:rPr>
+              <a:t>suo</a:t>
+            </a:r>
+            <a:r>
+              <a:rPr kumimoji="0" lang="ko-KR" altLang="ko-KR" b="0" i="0" u="none" strike="noStrike" cap="none" normalizeH="0" baseline="0" dirty="0" smtClean="0">
+                <a:ln>
+                  <a:noFill/>
+                </a:ln>
+                <a:effectLst/>
+                <a:latin typeface="Arial Unicode MS"/>
+              </a:rPr>
+              <a:t> </a:t>
+            </a:r>
+            <a:endParaRPr kumimoji="0" lang="en-US" altLang="ko-KR" b="0" i="0" u="none" strike="noStrike" cap="none" normalizeH="0" baseline="0" dirty="0" smtClean="0">
+              <a:ln>
+                <a:noFill/>
+              </a:ln>
+              <a:effectLst/>
+              <a:latin typeface="Arial Unicode MS"/>
+            </a:endParaRPr>
+          </a:p>
+          <a:p>
+            <a:pPr marL="0" marR="0" lvl="0" indent="0" algn="l" defTabSz="914400" rtl="0" eaLnBrk="0" fontAlgn="base" latinLnBrk="0" hangingPunct="0">
+              <a:lnSpc>
+                <a:spcPct val="100000"/>
+              </a:lnSpc>
+              <a:spcBef>
+                <a:spcPct val="0"/>
+              </a:spcBef>
+              <a:spcAft>
+                <a:spcPct val="0"/>
+              </a:spcAft>
+              <a:buClrTx/>
+              <a:buSzTx/>
+              <a:buFontTx/>
+              <a:buNone/>
+              <a:tabLst/>
+            </a:pPr>
+            <a:r>
+              <a:rPr kumimoji="0" lang="ko-KR" altLang="ko-KR" b="0" i="0" u="none" strike="noStrike" cap="none" normalizeH="0" baseline="0" dirty="0" smtClean="0">
+                <a:ln>
+                  <a:noFill/>
+                </a:ln>
+                <a:effectLst/>
+                <a:latin typeface="Arial Unicode MS"/>
+              </a:rPr>
+              <a:t>*.</a:t>
+            </a:r>
+            <a:r>
+              <a:rPr kumimoji="0" lang="ko-KR" altLang="ko-KR" b="0" i="0" u="none" strike="noStrike" cap="none" normalizeH="0" baseline="0" dirty="0" err="1" smtClean="0">
+                <a:ln>
+                  <a:noFill/>
+                </a:ln>
+                <a:effectLst/>
+                <a:latin typeface="Arial Unicode MS"/>
+              </a:rPr>
+              <a:t>db</a:t>
+            </a:r>
+            <a:r>
+              <a:rPr kumimoji="0" lang="ko-KR" altLang="ko-KR" b="0" i="0" u="none" strike="noStrike" cap="none" normalizeH="0" baseline="0" dirty="0" smtClean="0">
+                <a:ln>
+                  <a:noFill/>
+                </a:ln>
+                <a:effectLst/>
+                <a:latin typeface="Arial Unicode MS"/>
+              </a:rPr>
+              <a:t> </a:t>
+            </a:r>
+            <a:endParaRPr kumimoji="0" lang="ko-KR" altLang="ko-KR" sz="4000" b="0" i="0" u="none" strike="noStrike" cap="none" normalizeH="0" baseline="0" dirty="0" smtClean="0">
+              <a:ln>
+                <a:noFill/>
+              </a:ln>
+              <a:effectLst/>
+              <a:latin typeface="Arial" panose="020B0604020202020204" pitchFamily="34" charset="0"/>
+            </a:endParaRPr>
+          </a:p>
+        </p:txBody>
+      </p:sp>
+      <p:sp>
+        <p:nvSpPr>
+          <p:cNvPr id="7" name="아래쪽 화살표 6"/>
+          <p:cNvSpPr/>
+          <p:nvPr/>
+        </p:nvSpPr>
+        <p:spPr>
+          <a:xfrm rot="3352213">
+            <a:off x="8642957" y="4075098"/>
+            <a:ext cx="739036" cy="1640910"/>
+          </a:xfrm>
+          <a:prstGeom prst="downArrow">
+            <a:avLst/>
+          </a:prstGeom>
+        </p:spPr>
+        <p:style>
+          <a:lnRef idx="2">
+            <a:schemeClr val="accent1">
+              <a:shade val="50000"/>
+            </a:schemeClr>
+          </a:lnRef>
+          <a:fillRef idx="1">
+            <a:schemeClr val="accent1"/>
+          </a:fillRef>
+          <a:effectRef idx="0">
+            <a:schemeClr val="accent1"/>
+          </a:effectRef>
+          <a:fontRef idx="minor">
+            <a:schemeClr val="lt1"/>
+          </a:fontRef>
+        </p:style>
+        <p:txBody>
+          <a:bodyPr rtlCol="0" anchor="ctr"/>
+          <a:lstStyle/>
+          <a:p>
+            <a:pPr algn="ctr"/>
+            <a:endParaRPr lang="ko-KR" altLang="en-US"/>
+          </a:p>
+        </p:txBody>
+      </p:sp>
     </p:spTree>
     <p:extLst>
       <p:ext uri="{BB962C8B-B14F-4D97-AF65-F5344CB8AC3E}">
@@ -5882,6 +6549,13 @@
   <p:clrMapOvr>
     <a:masterClrMapping/>
   </p:clrMapOvr>
+  <p:timing>
+    <p:tnLst>
+      <p:par>
+        <p:cTn id="1" dur="indefinite" restart="never" nodeType="tmRoot"/>
+      </p:par>
+    </p:tnLst>
+  </p:timing>
 </p:sld>
 </file>
 
@@ -5953,9 +6627,10 @@
           <a:lstStyle/>
           <a:p>
             <a:r>
-              <a:rPr lang="ko-KR" altLang="en-US" dirty="0"/>
+              <a:rPr lang="ko-KR" altLang="en-US" dirty="0" smtClean="0"/>
               <a:t>기본 프로젝트 파일 복사</a:t>
             </a:r>
+            <a:endParaRPr lang="ko-KR" altLang="en-US" dirty="0"/>
           </a:p>
         </p:txBody>
       </p:sp>
@@ -6165,11 +6840,11 @@
           <a:lstStyle/>
           <a:p>
             <a:r>
-              <a:rPr lang="en-US" altLang="ko-KR" sz="2800" dirty="0" err="1"/>
+              <a:rPr lang="en-US" altLang="ko-KR" sz="2800" dirty="0" err="1" smtClean="0"/>
               <a:t>git</a:t>
             </a:r>
             <a:r>
-              <a:rPr lang="en-US" altLang="ko-KR" sz="2800" dirty="0"/>
+              <a:rPr lang="en-US" altLang="ko-KR" sz="2800" dirty="0" smtClean="0"/>
               <a:t> add .</a:t>
             </a:r>
             <a:endParaRPr lang="ko-KR" altLang="en-US" sz="2800" dirty="0"/>
@@ -6199,11 +6874,11 @@
           <a:lstStyle/>
           <a:p>
             <a:r>
-              <a:rPr lang="en-US" altLang="ko-KR" sz="2800" dirty="0" err="1"/>
+              <a:rPr lang="en-US" altLang="ko-KR" sz="2800" dirty="0" err="1" smtClean="0"/>
               <a:t>git</a:t>
             </a:r>
             <a:r>
-              <a:rPr lang="en-US" altLang="ko-KR" sz="2800" dirty="0"/>
+              <a:rPr lang="en-US" altLang="ko-KR" sz="2800" dirty="0" smtClean="0"/>
               <a:t> commit –m “First commit”</a:t>
             </a:r>
             <a:endParaRPr lang="ko-KR" altLang="en-US" sz="2800" dirty="0"/>
@@ -6327,11 +7002,11 @@
           <a:lstStyle/>
           <a:p>
             <a:r>
-              <a:rPr lang="en-US" altLang="ko-KR" sz="2800" dirty="0" err="1"/>
+              <a:rPr lang="en-US" altLang="ko-KR" sz="2800" dirty="0" err="1" smtClean="0"/>
               <a:t>git</a:t>
             </a:r>
             <a:r>
-              <a:rPr lang="en-US" altLang="ko-KR" sz="2800" dirty="0"/>
+              <a:rPr lang="en-US" altLang="ko-KR" sz="2800" dirty="0" smtClean="0"/>
               <a:t> push</a:t>
             </a:r>
             <a:endParaRPr lang="ko-KR" altLang="en-US" sz="2800" dirty="0"/>
@@ -6441,116 +7116,6 @@
 </file>
 
 <file path=ppt/slides/slide25.xml><?xml version="1.0" encoding="utf-8"?>
-<p:sld xmlns:a="http://schemas.openxmlformats.org/drawingml/2006/main" xmlns:r="http://schemas.openxmlformats.org/officeDocument/2006/relationships" xmlns:p="http://schemas.openxmlformats.org/presentationml/2006/main">
-  <p:cSld>
-    <p:spTree>
-      <p:nvGrpSpPr>
-        <p:cNvPr id="1" name=""/>
-        <p:cNvGrpSpPr/>
-        <p:nvPr/>
-      </p:nvGrpSpPr>
-      <p:grpSpPr>
-        <a:xfrm>
-          <a:off x="0" y="0"/>
-          <a:ext cx="0" cy="0"/>
-          <a:chOff x="0" y="0"/>
-          <a:chExt cx="0" cy="0"/>
-        </a:xfrm>
-      </p:grpSpPr>
-      <p:sp>
-        <p:nvSpPr>
-          <p:cNvPr id="2" name="제목 1"/>
-          <p:cNvSpPr>
-            <a:spLocks noGrp="1"/>
-          </p:cNvSpPr>
-          <p:nvPr>
-            <p:ph type="title"/>
-          </p:nvPr>
-        </p:nvSpPr>
-        <p:spPr/>
-        <p:txBody>
-          <a:bodyPr/>
-          <a:lstStyle/>
-          <a:p>
-            <a:r>
-              <a:rPr lang="en-US" altLang="ko-KR" dirty="0" err="1"/>
-              <a:t>GitLab</a:t>
-            </a:r>
-            <a:r>
-              <a:rPr lang="en-US" altLang="ko-KR" dirty="0"/>
-              <a:t> </a:t>
-            </a:r>
-            <a:r>
-              <a:rPr lang="ko-KR" altLang="en-US" dirty="0"/>
-              <a:t>환경 설정</a:t>
-            </a:r>
-          </a:p>
-        </p:txBody>
-      </p:sp>
-      <p:sp>
-        <p:nvSpPr>
-          <p:cNvPr id="3" name="내용 개체 틀 2"/>
-          <p:cNvSpPr>
-            <a:spLocks noGrp="1"/>
-          </p:cNvSpPr>
-          <p:nvPr>
-            <p:ph idx="1"/>
-          </p:nvPr>
-        </p:nvSpPr>
-        <p:spPr/>
-        <p:txBody>
-          <a:bodyPr/>
-          <a:lstStyle/>
-          <a:p>
-            <a:r>
-              <a:rPr lang="ko-KR" altLang="en-US" dirty="0"/>
-              <a:t>깃 주소 </a:t>
-            </a:r>
-            <a:r>
-              <a:rPr lang="en-US" altLang="ko-KR" dirty="0" err="1"/>
-              <a:t>eclass</a:t>
-            </a:r>
-            <a:r>
-              <a:rPr lang="en-US" altLang="ko-KR" dirty="0"/>
-              <a:t> </a:t>
-            </a:r>
-            <a:r>
-              <a:rPr lang="ko-KR" altLang="en-US" dirty="0"/>
-              <a:t>에 올리기</a:t>
-            </a:r>
-            <a:endParaRPr lang="en-US" altLang="ko-KR" dirty="0"/>
-          </a:p>
-          <a:p>
-            <a:pPr lvl="1"/>
-            <a:r>
-              <a:rPr lang="en-US" altLang="ko-KR" dirty="0" err="1"/>
-              <a:t>eclass</a:t>
-            </a:r>
-            <a:r>
-              <a:rPr lang="en-US" altLang="ko-KR" dirty="0"/>
-              <a:t> </a:t>
-            </a:r>
-            <a:r>
-              <a:rPr lang="ko-KR" altLang="en-US" dirty="0"/>
-              <a:t>과제 활용</a:t>
-            </a:r>
-          </a:p>
-        </p:txBody>
-      </p:sp>
-    </p:spTree>
-    <p:extLst>
-      <p:ext uri="{BB962C8B-B14F-4D97-AF65-F5344CB8AC3E}">
-        <p14:creationId xmlns:p14="http://schemas.microsoft.com/office/powerpoint/2010/main" val="4255538622"/>
-      </p:ext>
-    </p:extLst>
-  </p:cSld>
-  <p:clrMapOvr>
-    <a:masterClrMapping/>
-  </p:clrMapOvr>
-</p:sld>
-</file>
-
-<file path=ppt/slides/slide26.xml><?xml version="1.0" encoding="utf-8"?>
 <p:sld xmlns:a="http://schemas.openxmlformats.org/drawingml/2006/main" xmlns:r="http://schemas.openxmlformats.org/officeDocument/2006/relationships" xmlns:p="http://schemas.openxmlformats.org/presentationml/2006/main">
   <p:cSld>
     <p:spTree>
@@ -6689,13 +7254,14 @@
           <a:lstStyle/>
           <a:p>
             <a:r>
-              <a:rPr lang="en-US" altLang="ko-KR" dirty="0"/>
+              <a:rPr lang="en-US" altLang="ko-KR" dirty="0" smtClean="0"/>
               <a:t>Object </a:t>
             </a:r>
             <a:r>
-              <a:rPr lang="ko-KR" altLang="en-US" dirty="0"/>
+              <a:rPr lang="ko-KR" altLang="en-US" dirty="0" smtClean="0"/>
               <a:t>클래스</a:t>
             </a:r>
+            <a:endParaRPr lang="ko-KR" altLang="en-US" dirty="0"/>
           </a:p>
         </p:txBody>
       </p:sp>
@@ -6765,8 +7331,13 @@
           <a:p>
             <a:r>
               <a:rPr lang="ko-KR" altLang="en-US" dirty="0"/>
-              <a:t>기본 오브젝트 클래스 구현</a:t>
-            </a:r>
+              <a:t>기본 오브젝트 클래스 </a:t>
+            </a:r>
+            <a:r>
+              <a:rPr lang="ko-KR" altLang="en-US" dirty="0" smtClean="0"/>
+              <a:t>구현</a:t>
+            </a:r>
+            <a:endParaRPr lang="ko-KR" altLang="en-US" dirty="0"/>
           </a:p>
         </p:txBody>
       </p:sp>
@@ -6786,37 +7357,37 @@
           <a:lstStyle/>
           <a:p>
             <a:r>
-              <a:rPr lang="en-US" altLang="ko-KR" dirty="0"/>
+              <a:rPr lang="en-US" altLang="ko-KR" dirty="0" smtClean="0"/>
               <a:t>GSE </a:t>
             </a:r>
             <a:r>
-              <a:rPr lang="ko-KR" altLang="en-US" dirty="0"/>
+              <a:rPr lang="ko-KR" altLang="en-US" dirty="0" smtClean="0"/>
               <a:t>수업에서 오브젝트란</a:t>
             </a:r>
             <a:r>
-              <a:rPr lang="en-US" altLang="ko-KR" dirty="0"/>
+              <a:rPr lang="en-US" altLang="ko-KR" dirty="0" smtClean="0"/>
               <a:t>?</a:t>
             </a:r>
           </a:p>
           <a:p>
-            <a:endParaRPr lang="en-US" altLang="ko-KR" dirty="0"/>
+            <a:endParaRPr lang="en-US" altLang="ko-KR" dirty="0" smtClean="0"/>
           </a:p>
           <a:p>
             <a:pPr lvl="1"/>
             <a:r>
-              <a:rPr lang="en-US" altLang="ko-KR" dirty="0"/>
+              <a:rPr lang="en-US" altLang="ko-KR" dirty="0" smtClean="0"/>
               <a:t>Scene </a:t>
             </a:r>
             <a:r>
-              <a:rPr lang="ko-KR" altLang="en-US" dirty="0"/>
+              <a:rPr lang="ko-KR" altLang="en-US" dirty="0" smtClean="0"/>
               <a:t>에 배치 될 수 있는 모든 것을 의미</a:t>
             </a:r>
-            <a:endParaRPr lang="en-US" altLang="ko-KR" dirty="0"/>
+            <a:endParaRPr lang="en-US" altLang="ko-KR" dirty="0" smtClean="0"/>
           </a:p>
           <a:p>
             <a:pPr lvl="2"/>
             <a:r>
-              <a:rPr lang="ko-KR" altLang="en-US" dirty="0">
+              <a:rPr lang="ko-KR" altLang="en-US" dirty="0" smtClean="0">
                 <a:solidFill>
                   <a:srgbClr val="FF0000"/>
                 </a:solidFill>
@@ -6824,7 +7395,7 @@
               <a:t>화면에 그려질 수 있음</a:t>
             </a:r>
             <a:r>
-              <a:rPr lang="en-US" altLang="ko-KR" dirty="0">
+              <a:rPr lang="en-US" altLang="ko-KR" dirty="0" smtClean="0">
                 <a:solidFill>
                   <a:srgbClr val="FF0000"/>
                 </a:solidFill>
@@ -6834,79 +7405,83 @@
           </a:p>
           <a:p>
             <a:pPr lvl="1"/>
-            <a:endParaRPr lang="en-US" altLang="ko-KR" dirty="0"/>
+            <a:endParaRPr lang="en-US" altLang="ko-KR" dirty="0" smtClean="0"/>
           </a:p>
           <a:p>
             <a:pPr lvl="1"/>
             <a:r>
-              <a:rPr lang="ko-KR" altLang="en-US" dirty="0"/>
+              <a:rPr lang="ko-KR" altLang="en-US" dirty="0" smtClean="0"/>
               <a:t>부피</a:t>
             </a:r>
             <a:r>
+              <a:rPr lang="en-US" altLang="ko-KR" dirty="0" smtClean="0"/>
+              <a:t>, </a:t>
+            </a:r>
+            <a:r>
+              <a:rPr lang="ko-KR" altLang="en-US" dirty="0" smtClean="0"/>
+              <a:t>무게와 같은 물리적 특성을 가짐</a:t>
+            </a:r>
+            <a:endParaRPr lang="en-US" altLang="ko-KR" dirty="0" smtClean="0"/>
+          </a:p>
+          <a:p>
+            <a:pPr lvl="2"/>
+            <a:r>
+              <a:rPr lang="ko-KR" altLang="en-US" dirty="0" smtClean="0"/>
+              <a:t>예</a:t>
+            </a:r>
+            <a:r>
               <a:rPr lang="en-US" altLang="ko-KR" dirty="0"/>
+              <a:t> </a:t>
+            </a:r>
+            <a:r>
+              <a:rPr lang="en-US" altLang="ko-KR" dirty="0" smtClean="0"/>
+              <a:t>: </a:t>
+            </a:r>
+            <a:r>
+              <a:rPr lang="ko-KR" altLang="en-US" dirty="0" smtClean="0"/>
+              <a:t>건물</a:t>
+            </a:r>
+            <a:r>
+              <a:rPr lang="en-US" altLang="ko-KR" dirty="0" smtClean="0"/>
               <a:t>, </a:t>
             </a:r>
             <a:r>
-              <a:rPr lang="ko-KR" altLang="en-US" dirty="0"/>
-              <a:t>무게와 같은 물리적 특성을 가짐</a:t>
-            </a:r>
-            <a:endParaRPr lang="en-US" altLang="ko-KR" dirty="0"/>
-          </a:p>
-          <a:p>
-            <a:pPr lvl="2"/>
-            <a:r>
-              <a:rPr lang="ko-KR" altLang="en-US" dirty="0"/>
-              <a:t>예</a:t>
-            </a:r>
-            <a:r>
-              <a:rPr lang="en-US" altLang="ko-KR" dirty="0"/>
-              <a:t> : </a:t>
-            </a:r>
-            <a:r>
-              <a:rPr lang="ko-KR" altLang="en-US" dirty="0"/>
-              <a:t>건물</a:t>
-            </a:r>
-            <a:r>
-              <a:rPr lang="en-US" altLang="ko-KR" dirty="0"/>
+              <a:rPr lang="ko-KR" altLang="en-US" dirty="0" smtClean="0"/>
+              <a:t>장애물</a:t>
+            </a:r>
+            <a:r>
+              <a:rPr lang="en-US" altLang="ko-KR" dirty="0" smtClean="0"/>
               <a:t>, </a:t>
             </a:r>
             <a:r>
-              <a:rPr lang="ko-KR" altLang="en-US" dirty="0"/>
-              <a:t>장애물</a:t>
-            </a:r>
-            <a:r>
-              <a:rPr lang="en-US" altLang="ko-KR" dirty="0"/>
+              <a:rPr lang="ko-KR" altLang="en-US" dirty="0" smtClean="0"/>
+              <a:t>대포</a:t>
+            </a:r>
+            <a:r>
+              <a:rPr lang="en-US" altLang="ko-KR" dirty="0" smtClean="0"/>
               <a:t>, </a:t>
             </a:r>
             <a:r>
-              <a:rPr lang="ko-KR" altLang="en-US" dirty="0"/>
-              <a:t>대포</a:t>
-            </a:r>
-            <a:r>
-              <a:rPr lang="en-US" altLang="ko-KR" dirty="0"/>
+              <a:rPr lang="ko-KR" altLang="en-US" dirty="0" err="1" smtClean="0"/>
+              <a:t>유닛</a:t>
+            </a:r>
+            <a:r>
+              <a:rPr lang="en-US" altLang="ko-KR" dirty="0" smtClean="0"/>
               <a:t>, </a:t>
             </a:r>
             <a:r>
-              <a:rPr lang="ko-KR" altLang="en-US" dirty="0" err="1"/>
-              <a:t>유닛</a:t>
-            </a:r>
-            <a:r>
-              <a:rPr lang="en-US" altLang="ko-KR" dirty="0"/>
+              <a:rPr lang="ko-KR" altLang="en-US" dirty="0" smtClean="0"/>
+              <a:t>총알</a:t>
+            </a:r>
+            <a:r>
+              <a:rPr lang="en-US" altLang="ko-KR" dirty="0" smtClean="0"/>
               <a:t>, </a:t>
             </a:r>
             <a:r>
-              <a:rPr lang="ko-KR" altLang="en-US" dirty="0"/>
-              <a:t>총알</a:t>
-            </a:r>
-            <a:r>
-              <a:rPr lang="en-US" altLang="ko-KR" dirty="0"/>
-              <a:t>, </a:t>
-            </a:r>
-            <a:r>
-              <a:rPr lang="ko-KR" altLang="en-US" dirty="0"/>
+              <a:rPr lang="ko-KR" altLang="en-US" dirty="0" smtClean="0"/>
               <a:t>불꽃</a:t>
             </a:r>
-            <a:endParaRPr lang="en-US" altLang="ko-KR" dirty="0"/>
+            <a:endParaRPr lang="en-US" altLang="ko-KR" dirty="0" smtClean="0"/>
           </a:p>
         </p:txBody>
       </p:sp>
@@ -6980,57 +7555,26 @@
           <a:lstStyle/>
           <a:p>
             <a:r>
-              <a:rPr lang="ko-KR" altLang="en-US" dirty="0"/>
+              <a:rPr lang="ko-KR" altLang="en-US" dirty="0" smtClean="0"/>
               <a:t>이번 시간</a:t>
             </a:r>
-            <a:endParaRPr lang="en-US" altLang="ko-KR" dirty="0"/>
+            <a:endParaRPr lang="en-US" altLang="ko-KR" dirty="0" smtClean="0"/>
           </a:p>
           <a:p>
             <a:pPr lvl="1"/>
             <a:r>
-              <a:rPr lang="ko-KR" altLang="en-US" dirty="0"/>
+              <a:rPr lang="ko-KR" altLang="en-US" dirty="0" smtClean="0"/>
               <a:t>오브젝트를 생성하고 위치</a:t>
             </a:r>
             <a:r>
-              <a:rPr lang="en-US" altLang="ko-KR" dirty="0"/>
+              <a:rPr lang="en-US" altLang="ko-KR" dirty="0" smtClean="0"/>
               <a:t>, </a:t>
             </a:r>
             <a:r>
-              <a:rPr lang="ko-KR" altLang="en-US" dirty="0"/>
-              <a:t>크기 등의 특성을 부여하면 자동으로 화면에 그려지도록 구현</a:t>
-            </a:r>
-            <a:endParaRPr lang="en-US" altLang="ko-KR" dirty="0"/>
-          </a:p>
-          <a:p>
-            <a:pPr lvl="1"/>
-            <a:endParaRPr lang="en-US" altLang="ko-KR" dirty="0"/>
-          </a:p>
-          <a:p>
-            <a:pPr lvl="1"/>
-            <a:r>
-              <a:rPr lang="ko-KR" altLang="en-US" dirty="0"/>
-              <a:t>오브젝트 </a:t>
-            </a:r>
-            <a:r>
-              <a:rPr lang="en-US" altLang="ko-KR" dirty="0"/>
-              <a:t>Maximum </a:t>
-            </a:r>
-            <a:r>
-              <a:rPr lang="ko-KR" altLang="en-US" dirty="0"/>
-              <a:t>개수 제한</a:t>
-            </a:r>
-            <a:endParaRPr lang="en-US" altLang="ko-KR" dirty="0"/>
-          </a:p>
-          <a:p>
-            <a:pPr lvl="1"/>
-            <a:endParaRPr lang="en-US" altLang="ko-KR" dirty="0"/>
-          </a:p>
-          <a:p>
-            <a:pPr lvl="1"/>
-            <a:r>
-              <a:rPr lang="ko-KR" altLang="en-US" dirty="0"/>
-              <a:t>동적으로 오브젝트 인스턴스 관리</a:t>
-            </a:r>
+              <a:rPr lang="ko-KR" altLang="en-US" dirty="0" smtClean="0"/>
+              <a:t>크기와 같은 특성을 부여하면 자동으로 화면에 그려지도록 구현</a:t>
+            </a:r>
+            <a:endParaRPr lang="ko-KR" altLang="en-US" dirty="0"/>
           </a:p>
         </p:txBody>
       </p:sp>
@@ -7066,7 +7610,7 @@
       </p:grpSpPr>
       <p:sp>
         <p:nvSpPr>
-          <p:cNvPr id="4" name="제목 3"/>
+          <p:cNvPr id="2" name="제목 1"/>
           <p:cNvSpPr>
             <a:spLocks noGrp="1"/>
           </p:cNvSpPr>
@@ -7080,43 +7624,102 @@
           <a:lstStyle/>
           <a:p>
             <a:r>
-              <a:rPr lang="en-US" altLang="ko-KR" dirty="0" err="1"/>
-              <a:t>GitLab</a:t>
-            </a:r>
-            <a:r>
-              <a:rPr lang="en-US" altLang="ko-KR" dirty="0"/>
+              <a:rPr lang="ko-KR" altLang="en-US" dirty="0"/>
+              <a:t>기본 오브젝트 클래스 구현</a:t>
+            </a:r>
+          </a:p>
+        </p:txBody>
+      </p:sp>
+      <p:sp>
+        <p:nvSpPr>
+          <p:cNvPr id="3" name="내용 개체 틀 2"/>
+          <p:cNvSpPr>
+            <a:spLocks noGrp="1"/>
+          </p:cNvSpPr>
+          <p:nvPr>
+            <p:ph idx="1"/>
+          </p:nvPr>
+        </p:nvSpPr>
+        <p:spPr/>
+        <p:txBody>
+          <a:bodyPr/>
+          <a:lstStyle/>
+          <a:p>
+            <a:r>
+              <a:rPr lang="en-US" altLang="ko-KR" dirty="0" err="1" smtClean="0"/>
+              <a:t>ScnMgr</a:t>
+            </a:r>
+            <a:r>
+              <a:rPr lang="en-US" altLang="ko-KR" dirty="0" smtClean="0"/>
               <a:t> </a:t>
             </a:r>
             <a:r>
-              <a:rPr lang="ko-KR" altLang="en-US" dirty="0"/>
-              <a:t>연동</a:t>
-            </a:r>
-          </a:p>
-        </p:txBody>
-      </p:sp>
-      <p:sp>
-        <p:nvSpPr>
-          <p:cNvPr id="5" name="텍스트 개체 틀 4"/>
-          <p:cNvSpPr>
-            <a:spLocks noGrp="1"/>
-          </p:cNvSpPr>
-          <p:nvPr>
-            <p:ph type="body" idx="1"/>
-          </p:nvPr>
-        </p:nvSpPr>
-        <p:spPr/>
-        <p:txBody>
-          <a:bodyPr/>
-          <a:lstStyle/>
-          <a:p>
-            <a:endParaRPr lang="ko-KR" altLang="en-US"/>
+              <a:rPr lang="ko-KR" altLang="en-US" dirty="0" smtClean="0"/>
+              <a:t>상에서 </a:t>
+            </a:r>
+            <a:r>
+              <a:rPr lang="en-US" altLang="ko-KR" dirty="0" smtClean="0"/>
+              <a:t>Object </a:t>
+            </a:r>
+            <a:r>
+              <a:rPr lang="ko-KR" altLang="en-US" dirty="0" smtClean="0"/>
+              <a:t>관리하도록 구현</a:t>
+            </a:r>
+            <a:endParaRPr lang="en-US" altLang="ko-KR" dirty="0" smtClean="0"/>
+          </a:p>
+          <a:p>
+            <a:endParaRPr lang="en-US" altLang="ko-KR" dirty="0"/>
+          </a:p>
+          <a:p>
+            <a:r>
+              <a:rPr lang="en-US" altLang="ko-KR" dirty="0" smtClean="0"/>
+              <a:t>Maximum </a:t>
+            </a:r>
+            <a:r>
+              <a:rPr lang="ko-KR" altLang="en-US" dirty="0" smtClean="0"/>
+              <a:t>개수 제한</a:t>
+            </a:r>
+            <a:endParaRPr lang="en-US" altLang="ko-KR" dirty="0" smtClean="0"/>
+          </a:p>
+          <a:p>
+            <a:pPr lvl="1"/>
+            <a:r>
+              <a:rPr lang="ko-KR" altLang="en-US" dirty="0" smtClean="0"/>
+              <a:t>디버깅 및 유지관리 시 좋음</a:t>
+            </a:r>
+            <a:endParaRPr lang="en-US" altLang="ko-KR" dirty="0" smtClean="0"/>
+          </a:p>
+          <a:p>
+            <a:pPr lvl="1"/>
+            <a:endParaRPr lang="en-US" altLang="ko-KR" dirty="0"/>
+          </a:p>
+          <a:p>
+            <a:r>
+              <a:rPr lang="ko-KR" altLang="en-US" dirty="0" smtClean="0"/>
+              <a:t>랜덤 포지션으로 많은 </a:t>
+            </a:r>
+            <a:r>
+              <a:rPr lang="en-US" altLang="ko-KR" dirty="0" smtClean="0"/>
+              <a:t>Object </a:t>
+            </a:r>
+            <a:r>
+              <a:rPr lang="ko-KR" altLang="en-US" dirty="0" smtClean="0"/>
+              <a:t>생성 후 화면에 그리기</a:t>
+            </a:r>
+            <a:endParaRPr lang="en-US" altLang="ko-KR" dirty="0" smtClean="0"/>
+          </a:p>
+          <a:p>
+            <a:endParaRPr lang="en-US" altLang="ko-KR" dirty="0"/>
+          </a:p>
+          <a:p>
+            <a:endParaRPr lang="ko-KR" altLang="en-US" dirty="0"/>
           </a:p>
         </p:txBody>
       </p:sp>
     </p:spTree>
     <p:extLst>
       <p:ext uri="{BB962C8B-B14F-4D97-AF65-F5344CB8AC3E}">
-        <p14:creationId xmlns:p14="http://schemas.microsoft.com/office/powerpoint/2010/main" val="287972177"/>
+        <p14:creationId xmlns:p14="http://schemas.microsoft.com/office/powerpoint/2010/main" val="1284513531"/>
       </p:ext>
     </p:extLst>
   </p:cSld>
@@ -7145,7 +7748,7 @@
       </p:grpSpPr>
       <p:sp>
         <p:nvSpPr>
-          <p:cNvPr id="2" name="제목 1"/>
+          <p:cNvPr id="4" name="제목 3"/>
           <p:cNvSpPr>
             <a:spLocks noGrp="1"/>
           </p:cNvSpPr>
@@ -7159,20 +7762,16 @@
           <a:lstStyle/>
           <a:p>
             <a:r>
-              <a:rPr lang="en-US" altLang="ko-KR" dirty="0" err="1"/>
-              <a:t>Git</a:t>
-            </a:r>
-            <a:r>
-              <a:rPr lang="en-US" altLang="ko-KR" dirty="0"/>
+              <a:rPr lang="en-US" altLang="ko-KR" dirty="0" err="1" smtClean="0"/>
+              <a:t>GitLab</a:t>
+            </a:r>
+            <a:r>
+              <a:rPr lang="en-US" altLang="ko-KR" dirty="0" smtClean="0"/>
               <a:t> </a:t>
             </a:r>
             <a:r>
-              <a:rPr lang="ko-KR" altLang="en-US" dirty="0"/>
-              <a:t>환경 설정 </a:t>
-            </a:r>
-            <a:r>
-              <a:rPr lang="en-US" altLang="ko-KR" dirty="0"/>
-              <a:t>(CLI, Command Line Interface)</a:t>
+              <a:rPr lang="ko-KR" altLang="en-US" dirty="0" smtClean="0"/>
+              <a:t>연동</a:t>
             </a:r>
             <a:endParaRPr lang="ko-KR" altLang="en-US" dirty="0"/>
           </a:p>
@@ -7180,107 +7779,19 @@
       </p:sp>
       <p:sp>
         <p:nvSpPr>
-          <p:cNvPr id="3" name="내용 개체 틀 2"/>
-          <p:cNvSpPr>
-            <a:spLocks noGrp="1"/>
-          </p:cNvSpPr>
-          <p:nvPr>
-            <p:ph idx="1"/>
+          <p:cNvPr id="5" name="텍스트 개체 틀 4"/>
+          <p:cNvSpPr>
+            <a:spLocks noGrp="1"/>
+          </p:cNvSpPr>
+          <p:nvPr>
+            <p:ph type="body" idx="1"/>
           </p:nvPr>
         </p:nvSpPr>
         <p:spPr/>
         <p:txBody>
-          <a:bodyPr>
-            <a:normAutofit/>
-          </a:bodyPr>
-          <a:lstStyle/>
-          <a:p>
-            <a:r>
-              <a:rPr lang="en-US" altLang="ko-KR" dirty="0"/>
-              <a:t>git-scm.com </a:t>
-            </a:r>
-            <a:r>
-              <a:rPr lang="ko-KR" altLang="en-US" dirty="0"/>
-              <a:t>접속 후 설치</a:t>
-            </a:r>
-            <a:endParaRPr lang="en-US" altLang="ko-KR" dirty="0"/>
-          </a:p>
-          <a:p>
-            <a:pPr marL="0" indent="0">
-              <a:buNone/>
-            </a:pPr>
-            <a:endParaRPr lang="en-US" altLang="ko-KR" dirty="0"/>
-          </a:p>
-        </p:txBody>
-      </p:sp>
-      <p:pic>
-        <p:nvPicPr>
-          <p:cNvPr id="4" name="그림 3"/>
-          <p:cNvPicPr>
-            <a:picLocks noChangeAspect="1"/>
-          </p:cNvPicPr>
-          <p:nvPr/>
-        </p:nvPicPr>
-        <p:blipFill rotWithShape="1">
-          <a:blip r:embed="rId2" cstate="email">
-            <a:extLst>
-              <a:ext uri="{28A0092B-C50C-407E-A947-70E740481C1C}">
-                <a14:useLocalDpi xmlns:a14="http://schemas.microsoft.com/office/drawing/2010/main"/>
-              </a:ext>
-            </a:extLst>
-          </a:blip>
-          <a:srcRect/>
-          <a:stretch/>
-        </p:blipFill>
-        <p:spPr>
-          <a:xfrm>
-            <a:off x="4122057" y="2586260"/>
-            <a:ext cx="6879771" cy="4104826"/>
-          </a:xfrm>
-          <a:prstGeom prst="rect">
-            <a:avLst/>
-          </a:prstGeom>
-        </p:spPr>
-      </p:pic>
-      <p:sp>
-        <p:nvSpPr>
-          <p:cNvPr id="5" name="오른쪽 화살표 4"/>
-          <p:cNvSpPr/>
-          <p:nvPr/>
-        </p:nvSpPr>
-        <p:spPr>
-          <a:xfrm>
-            <a:off x="8461829" y="6053704"/>
-            <a:ext cx="580571" cy="516392"/>
-          </a:xfrm>
-          <a:prstGeom prst="rightArrow">
-            <a:avLst/>
-          </a:prstGeom>
-          <a:solidFill>
-            <a:srgbClr val="FF0000"/>
-          </a:solidFill>
-        </p:spPr>
-        <p:style>
-          <a:lnRef idx="2">
-            <a:schemeClr val="accent1">
-              <a:shade val="50000"/>
-            </a:schemeClr>
-          </a:lnRef>
-          <a:fillRef idx="1">
-            <a:schemeClr val="accent1"/>
-          </a:fillRef>
-          <a:effectRef idx="0">
-            <a:schemeClr val="accent1"/>
-          </a:effectRef>
-          <a:fontRef idx="minor">
-            <a:schemeClr val="lt1"/>
-          </a:fontRef>
-        </p:style>
-        <p:txBody>
-          <a:bodyPr rtlCol="0" anchor="ctr"/>
-          <a:lstStyle/>
-          <a:p>
-            <a:pPr algn="ctr"/>
+          <a:bodyPr/>
+          <a:lstStyle/>
+          <a:p>
             <a:endParaRPr lang="ko-KR" altLang="en-US"/>
           </a:p>
         </p:txBody>
@@ -7288,7 +7799,7 @@
     </p:spTree>
     <p:extLst>
       <p:ext uri="{BB962C8B-B14F-4D97-AF65-F5344CB8AC3E}">
-        <p14:creationId xmlns:p14="http://schemas.microsoft.com/office/powerpoint/2010/main" val="493779826"/>
+        <p14:creationId xmlns:p14="http://schemas.microsoft.com/office/powerpoint/2010/main" val="287972177"/>
       </p:ext>
     </p:extLst>
   </p:cSld>
@@ -7331,48 +7842,109 @@
           <a:lstStyle/>
           <a:p>
             <a:r>
-              <a:rPr lang="en-US" altLang="ko-KR" dirty="0" err="1"/>
-              <a:t>Git</a:t>
-            </a:r>
-            <a:r>
-              <a:rPr lang="en-US" altLang="ko-KR" dirty="0"/>
+              <a:rPr lang="en-US" altLang="ko-KR" dirty="0" err="1" smtClean="0"/>
+              <a:t>GitLab</a:t>
+            </a:r>
+            <a:r>
+              <a:rPr lang="en-US" altLang="ko-KR" dirty="0" smtClean="0"/>
               <a:t> </a:t>
             </a:r>
             <a:r>
               <a:rPr lang="ko-KR" altLang="en-US" dirty="0"/>
-              <a:t>환경 설정 </a:t>
-            </a:r>
-            <a:r>
-              <a:rPr lang="en-US" altLang="ko-KR" dirty="0"/>
-              <a:t>(CLI, Command Line Interface)</a:t>
+              <a:t>환경 </a:t>
+            </a:r>
+            <a:r>
+              <a:rPr lang="ko-KR" altLang="en-US" dirty="0" smtClean="0"/>
+              <a:t>설정</a:t>
             </a:r>
             <a:endParaRPr lang="ko-KR" altLang="en-US" dirty="0"/>
+          </a:p>
+        </p:txBody>
+      </p:sp>
+      <p:sp>
+        <p:nvSpPr>
+          <p:cNvPr id="3" name="내용 개체 틀 2"/>
+          <p:cNvSpPr>
+            <a:spLocks noGrp="1"/>
+          </p:cNvSpPr>
+          <p:nvPr>
+            <p:ph idx="1"/>
+          </p:nvPr>
+        </p:nvSpPr>
+        <p:spPr/>
+        <p:txBody>
+          <a:bodyPr/>
+          <a:lstStyle/>
+          <a:p>
+            <a:r>
+              <a:rPr lang="en-US" altLang="ko-KR" dirty="0" err="1" smtClean="0"/>
+              <a:t>GitLab</a:t>
+            </a:r>
+            <a:r>
+              <a:rPr lang="ko-KR" altLang="en-US" dirty="0" smtClean="0"/>
+              <a:t>에서 프로젝트 생성</a:t>
+            </a:r>
+            <a:endParaRPr lang="en-US" altLang="ko-KR" dirty="0" smtClean="0"/>
+          </a:p>
+          <a:p>
+            <a:pPr lvl="1"/>
+            <a:r>
+              <a:rPr lang="en-US" altLang="ko-KR" dirty="0" smtClean="0"/>
+              <a:t>[</a:t>
+            </a:r>
+            <a:r>
+              <a:rPr lang="ko-KR" altLang="en-US" dirty="0" smtClean="0"/>
+              <a:t>분반</a:t>
+            </a:r>
+            <a:r>
+              <a:rPr lang="en-US" altLang="ko-KR" dirty="0" smtClean="0"/>
+              <a:t>_</a:t>
+            </a:r>
+            <a:r>
+              <a:rPr lang="ko-KR" altLang="en-US" dirty="0" smtClean="0"/>
+              <a:t>학번</a:t>
+            </a:r>
+            <a:r>
+              <a:rPr lang="en-US" altLang="ko-KR" dirty="0" smtClean="0"/>
+              <a:t>] </a:t>
+            </a:r>
+            <a:r>
+              <a:rPr lang="ko-KR" altLang="en-US" dirty="0" smtClean="0"/>
+              <a:t>으로 프로젝트 이름 만들기</a:t>
+            </a:r>
+            <a:endParaRPr lang="en-US" altLang="ko-KR" dirty="0" smtClean="0"/>
+          </a:p>
+          <a:p>
+            <a:pPr lvl="2"/>
+            <a:r>
+              <a:rPr lang="ko-KR" altLang="en-US" dirty="0" smtClean="0"/>
+              <a:t>예 </a:t>
+            </a:r>
+            <a:r>
+              <a:rPr lang="en-US" altLang="ko-KR" dirty="0" smtClean="0"/>
+              <a:t>: 02_20161234</a:t>
+            </a:r>
           </a:p>
         </p:txBody>
       </p:sp>
       <p:pic>
         <p:nvPicPr>
-          <p:cNvPr id="5" name="그림 4"/>
+          <p:cNvPr id="4" name="그림 3"/>
           <p:cNvPicPr>
             <a:picLocks noChangeAspect="1"/>
           </p:cNvPicPr>
           <p:nvPr/>
         </p:nvPicPr>
-        <p:blipFill rotWithShape="1">
-          <a:blip r:embed="rId2" cstate="email">
-            <a:extLst>
-              <a:ext uri="{28A0092B-C50C-407E-A947-70E740481C1C}">
-                <a14:useLocalDpi xmlns:a14="http://schemas.microsoft.com/office/drawing/2010/main"/>
-              </a:ext>
-            </a:extLst>
-          </a:blip>
-          <a:srcRect/>
-          <a:stretch/>
+        <p:blipFill>
+          <a:blip r:embed="rId2"/>
+          <a:stretch>
+            <a:fillRect/>
+          </a:stretch>
         </p:blipFill>
         <p:spPr>
           <a:xfrm>
-            <a:off x="7053943" y="365125"/>
-            <a:ext cx="3149600" cy="6337147"/>
+            <a:off x="5527964" y="2947449"/>
+            <a:ext cx="5825836" cy="3815844"/>
           </a:xfrm>
           <a:prstGeom prst="rect">
             <a:avLst/>
@@ -7381,98 +7953,48 @@
       </p:pic>
       <p:sp>
         <p:nvSpPr>
-          <p:cNvPr id="6" name="TextBox 5"/>
-          <p:cNvSpPr txBox="1"/>
+          <p:cNvPr id="7" name="오른쪽 화살표 6"/>
+          <p:cNvSpPr/>
           <p:nvPr/>
         </p:nvSpPr>
         <p:spPr>
           <a:xfrm>
-            <a:off x="1465943" y="2379536"/>
-            <a:ext cx="3236686" cy="2308324"/>
+            <a:off x="5104015" y="6251778"/>
+            <a:ext cx="548640" cy="573578"/>
           </a:xfrm>
-          <a:prstGeom prst="rect">
+          <a:prstGeom prst="rightArrow">
             <a:avLst/>
           </a:prstGeom>
-          <a:noFill/>
-        </p:spPr>
-        <p:txBody>
-          <a:bodyPr wrap="square" rtlCol="0">
-            <a:spAutoFit/>
-          </a:bodyPr>
-          <a:lstStyle/>
-          <a:p>
-            <a:r>
-              <a:rPr lang="en-US" altLang="ko-KR" sz="3600" dirty="0" err="1"/>
-              <a:t>Git</a:t>
-            </a:r>
-            <a:r>
-              <a:rPr lang="en-US" altLang="ko-KR" sz="3600" dirty="0"/>
-              <a:t> GUI Here</a:t>
-            </a:r>
-          </a:p>
-          <a:p>
-            <a:r>
-              <a:rPr lang="en-US" altLang="ko-KR" sz="3600" dirty="0" err="1"/>
-              <a:t>Git</a:t>
-            </a:r>
-            <a:r>
-              <a:rPr lang="en-US" altLang="ko-KR" sz="3600" dirty="0"/>
-              <a:t> Bash Here</a:t>
-            </a:r>
-          </a:p>
-          <a:p>
-            <a:endParaRPr lang="en-US" altLang="ko-KR" sz="3600" dirty="0"/>
-          </a:p>
-          <a:p>
-            <a:r>
-              <a:rPr lang="ko-KR" altLang="en-US" sz="3600" dirty="0"/>
-              <a:t>확인</a:t>
-            </a:r>
-          </a:p>
-        </p:txBody>
-      </p:sp>
-      <p:cxnSp>
-        <p:nvCxnSpPr>
-          <p:cNvPr id="8" name="직선 화살표 연결선 7"/>
-          <p:cNvCxnSpPr>
-            <a:stCxn id="6" idx="3"/>
-          </p:cNvCxnSpPr>
-          <p:nvPr/>
-        </p:nvCxnSpPr>
-        <p:spPr>
-          <a:xfrm flipV="1">
-            <a:off x="4702629" y="3323771"/>
-            <a:ext cx="2351314" cy="209927"/>
-          </a:xfrm>
-          <a:prstGeom prst="straightConnector1">
-            <a:avLst/>
-          </a:prstGeom>
-          <a:ln w="76200">
-            <a:solidFill>
-              <a:srgbClr val="FF0000"/>
-            </a:solidFill>
-            <a:tailEnd type="triangle"/>
-          </a:ln>
         </p:spPr>
         <p:style>
-          <a:lnRef idx="1">
-            <a:schemeClr val="accent1"/>
+          <a:lnRef idx="2">
+            <a:schemeClr val="accent1">
+              <a:shade val="50000"/>
+            </a:schemeClr>
           </a:lnRef>
-          <a:fillRef idx="0">
+          <a:fillRef idx="1">
             <a:schemeClr val="accent1"/>
           </a:fillRef>
           <a:effectRef idx="0">
             <a:schemeClr val="accent1"/>
           </a:effectRef>
           <a:fontRef idx="minor">
-            <a:schemeClr val="tx1"/>
+            <a:schemeClr val="lt1"/>
           </a:fontRef>
         </p:style>
-      </p:cxnSp>
+        <p:txBody>
+          <a:bodyPr rtlCol="0" anchor="ctr"/>
+          <a:lstStyle/>
+          <a:p>
+            <a:pPr algn="ctr"/>
+            <a:endParaRPr lang="ko-KR" altLang="en-US"/>
+          </a:p>
+        </p:txBody>
+      </p:sp>
     </p:spTree>
     <p:extLst>
       <p:ext uri="{BB962C8B-B14F-4D97-AF65-F5344CB8AC3E}">
-        <p14:creationId xmlns:p14="http://schemas.microsoft.com/office/powerpoint/2010/main" val="3479789149"/>
+        <p14:creationId xmlns:p14="http://schemas.microsoft.com/office/powerpoint/2010/main" val="574375819"/>
       </p:ext>
     </p:extLst>
   </p:cSld>
@@ -7515,20 +8037,20 @@
           <a:lstStyle/>
           <a:p>
             <a:r>
-              <a:rPr lang="en-US" altLang="ko-KR" dirty="0" err="1"/>
-              <a:t>Git</a:t>
-            </a:r>
-            <a:r>
-              <a:rPr lang="en-US" altLang="ko-KR" dirty="0"/>
+              <a:rPr lang="en-US" altLang="ko-KR" dirty="0" err="1" smtClean="0"/>
+              <a:t>GitLab</a:t>
+            </a:r>
+            <a:r>
+              <a:rPr lang="en-US" altLang="ko-KR" dirty="0" smtClean="0"/>
               <a:t> </a:t>
             </a:r>
             <a:r>
               <a:rPr lang="ko-KR" altLang="en-US" dirty="0"/>
-              <a:t>환경 설정 </a:t>
-            </a:r>
-            <a:r>
-              <a:rPr lang="en-US" altLang="ko-KR" dirty="0"/>
-              <a:t>(CLI, Command Line Interface)</a:t>
+              <a:t>환경 </a:t>
+            </a:r>
+            <a:r>
+              <a:rPr lang="ko-KR" altLang="en-US" dirty="0" smtClean="0"/>
+              <a:t>설정</a:t>
             </a:r>
             <a:endParaRPr lang="ko-KR" altLang="en-US" dirty="0"/>
           </a:p>
@@ -7550,61 +8072,217 @@
           <a:lstStyle/>
           <a:p>
             <a:r>
-              <a:rPr lang="ko-KR" altLang="en-US" dirty="0"/>
-              <a:t>작업</a:t>
-            </a:r>
-            <a:r>
-              <a:rPr lang="en-US" altLang="ko-KR" dirty="0"/>
-              <a:t> </a:t>
-            </a:r>
-            <a:r>
-              <a:rPr lang="ko-KR" altLang="en-US" dirty="0"/>
-              <a:t>폴더 생성</a:t>
-            </a:r>
-            <a:endParaRPr lang="en-US" altLang="ko-KR" dirty="0"/>
-          </a:p>
-          <a:p>
-            <a:pPr lvl="1"/>
-            <a:r>
-              <a:rPr lang="ko-KR" altLang="en-US" dirty="0"/>
-              <a:t>향후 프로젝트 구현이 이루어질 폴더</a:t>
-            </a:r>
+              <a:rPr lang="ko-KR" altLang="en-US" dirty="0" smtClean="0"/>
+              <a:t>프로젝트 세팅 </a:t>
+            </a:r>
+            <a:r>
+              <a:rPr lang="en-US" altLang="ko-KR" dirty="0" smtClean="0"/>
+              <a:t>-&gt; Members </a:t>
+            </a:r>
+            <a:r>
+              <a:rPr lang="ko-KR" altLang="en-US" dirty="0" smtClean="0"/>
+              <a:t>에서 </a:t>
+            </a:r>
+            <a:r>
+              <a:rPr lang="en-US" altLang="ko-KR" dirty="0" smtClean="0"/>
+              <a:t>watersp </a:t>
+            </a:r>
+            <a:r>
+              <a:rPr lang="ko-KR" altLang="en-US" dirty="0" smtClean="0"/>
+              <a:t>추가</a:t>
+            </a:r>
+            <a:endParaRPr lang="en-US" altLang="ko-KR" dirty="0" smtClean="0"/>
           </a:p>
         </p:txBody>
       </p:sp>
       <p:pic>
         <p:nvPicPr>
-          <p:cNvPr id="4" name="그림 3"/>
+          <p:cNvPr id="5" name="그림 4"/>
           <p:cNvPicPr>
             <a:picLocks noChangeAspect="1"/>
           </p:cNvPicPr>
           <p:nvPr/>
         </p:nvPicPr>
-        <p:blipFill rotWithShape="1">
-          <a:blip r:embed="rId2" cstate="email">
-            <a:extLst>
-              <a:ext uri="{28A0092B-C50C-407E-A947-70E740481C1C}">
-                <a14:useLocalDpi xmlns:a14="http://schemas.microsoft.com/office/drawing/2010/main"/>
-              </a:ext>
-            </a:extLst>
-          </a:blip>
-          <a:srcRect/>
-          <a:stretch/>
+        <p:blipFill>
+          <a:blip r:embed="rId2"/>
+          <a:stretch>
+            <a:fillRect/>
+          </a:stretch>
         </p:blipFill>
         <p:spPr>
           <a:xfrm>
-            <a:off x="1706203" y="3467100"/>
-            <a:ext cx="9647597" cy="2844800"/>
+            <a:off x="3147060" y="2901950"/>
+            <a:ext cx="4800600" cy="3409950"/>
           </a:xfrm>
           <a:prstGeom prst="rect">
             <a:avLst/>
           </a:prstGeom>
         </p:spPr>
       </p:pic>
+      <p:sp>
+        <p:nvSpPr>
+          <p:cNvPr id="6" name="오른쪽 화살표 5"/>
+          <p:cNvSpPr/>
+          <p:nvPr/>
+        </p:nvSpPr>
+        <p:spPr>
+          <a:xfrm>
+            <a:off x="2776451" y="5738322"/>
+            <a:ext cx="548640" cy="573578"/>
+          </a:xfrm>
+          <a:prstGeom prst="rightArrow">
+            <a:avLst/>
+          </a:prstGeom>
+        </p:spPr>
+        <p:style>
+          <a:lnRef idx="2">
+            <a:schemeClr val="accent1">
+              <a:shade val="50000"/>
+            </a:schemeClr>
+          </a:lnRef>
+          <a:fillRef idx="1">
+            <a:schemeClr val="accent1"/>
+          </a:fillRef>
+          <a:effectRef idx="0">
+            <a:schemeClr val="accent1"/>
+          </a:effectRef>
+          <a:fontRef idx="minor">
+            <a:schemeClr val="lt1"/>
+          </a:fontRef>
+        </p:style>
+        <p:txBody>
+          <a:bodyPr rtlCol="0" anchor="ctr"/>
+          <a:lstStyle/>
+          <a:p>
+            <a:pPr algn="ctr"/>
+            <a:endParaRPr lang="ko-KR" altLang="en-US"/>
+          </a:p>
+        </p:txBody>
+      </p:sp>
+      <p:sp>
+        <p:nvSpPr>
+          <p:cNvPr id="7" name="오른쪽 화살표 6"/>
+          <p:cNvSpPr/>
+          <p:nvPr/>
+        </p:nvSpPr>
+        <p:spPr>
+          <a:xfrm>
+            <a:off x="2776451" y="5384065"/>
+            <a:ext cx="548640" cy="573578"/>
+          </a:xfrm>
+          <a:prstGeom prst="rightArrow">
+            <a:avLst/>
+          </a:prstGeom>
+        </p:spPr>
+        <p:style>
+          <a:lnRef idx="2">
+            <a:schemeClr val="accent1">
+              <a:shade val="50000"/>
+            </a:schemeClr>
+          </a:lnRef>
+          <a:fillRef idx="1">
+            <a:schemeClr val="accent1"/>
+          </a:fillRef>
+          <a:effectRef idx="0">
+            <a:schemeClr val="accent1"/>
+          </a:effectRef>
+          <a:fontRef idx="minor">
+            <a:schemeClr val="lt1"/>
+          </a:fontRef>
+        </p:style>
+        <p:txBody>
+          <a:bodyPr rtlCol="0" anchor="ctr"/>
+          <a:lstStyle/>
+          <a:p>
+            <a:pPr algn="ctr"/>
+            <a:endParaRPr lang="ko-KR" altLang="en-US"/>
+          </a:p>
+        </p:txBody>
+      </p:sp>
+      <p:sp>
+        <p:nvSpPr>
+          <p:cNvPr id="8" name="오른쪽 화살표 7"/>
+          <p:cNvSpPr/>
+          <p:nvPr/>
+        </p:nvSpPr>
+        <p:spPr>
+          <a:xfrm>
+            <a:off x="2776451" y="4591145"/>
+            <a:ext cx="548640" cy="573578"/>
+          </a:xfrm>
+          <a:prstGeom prst="rightArrow">
+            <a:avLst/>
+          </a:prstGeom>
+        </p:spPr>
+        <p:style>
+          <a:lnRef idx="2">
+            <a:schemeClr val="accent1">
+              <a:shade val="50000"/>
+            </a:schemeClr>
+          </a:lnRef>
+          <a:fillRef idx="1">
+            <a:schemeClr val="accent1"/>
+          </a:fillRef>
+          <a:effectRef idx="0">
+            <a:schemeClr val="accent1"/>
+          </a:effectRef>
+          <a:fontRef idx="minor">
+            <a:schemeClr val="lt1"/>
+          </a:fontRef>
+        </p:style>
+        <p:txBody>
+          <a:bodyPr rtlCol="0" anchor="ctr"/>
+          <a:lstStyle/>
+          <a:p>
+            <a:pPr algn="ctr"/>
+            <a:endParaRPr lang="ko-KR" altLang="en-US"/>
+          </a:p>
+        </p:txBody>
+      </p:sp>
+      <p:sp>
+        <p:nvSpPr>
+          <p:cNvPr id="9" name="오른쪽 화살표 8"/>
+          <p:cNvSpPr/>
+          <p:nvPr/>
+        </p:nvSpPr>
+        <p:spPr>
+          <a:xfrm>
+            <a:off x="2776451" y="3950099"/>
+            <a:ext cx="548640" cy="573578"/>
+          </a:xfrm>
+          <a:prstGeom prst="rightArrow">
+            <a:avLst/>
+          </a:prstGeom>
+        </p:spPr>
+        <p:style>
+          <a:lnRef idx="2">
+            <a:schemeClr val="accent1">
+              <a:shade val="50000"/>
+            </a:schemeClr>
+          </a:lnRef>
+          <a:fillRef idx="1">
+            <a:schemeClr val="accent1"/>
+          </a:fillRef>
+          <a:effectRef idx="0">
+            <a:schemeClr val="accent1"/>
+          </a:effectRef>
+          <a:fontRef idx="minor">
+            <a:schemeClr val="lt1"/>
+          </a:fontRef>
+        </p:style>
+        <p:txBody>
+          <a:bodyPr rtlCol="0" anchor="ctr"/>
+          <a:lstStyle/>
+          <a:p>
+            <a:pPr algn="ctr"/>
+            <a:endParaRPr lang="ko-KR" altLang="en-US"/>
+          </a:p>
+        </p:txBody>
+      </p:sp>
     </p:spTree>
     <p:extLst>
       <p:ext uri="{BB962C8B-B14F-4D97-AF65-F5344CB8AC3E}">
-        <p14:creationId xmlns:p14="http://schemas.microsoft.com/office/powerpoint/2010/main" val="2854744286"/>
+        <p14:creationId xmlns:p14="http://schemas.microsoft.com/office/powerpoint/2010/main" val="2600747599"/>
       </p:ext>
     </p:extLst>
   </p:cSld>
@@ -7657,7 +8335,7 @@
     </a:clrScheme>
     <a:fontScheme name="Office">
       <a:majorFont>
-        <a:latin typeface="맑은 고딕" panose="020F0302020204030204"/>
+        <a:latin typeface="맑은 고딕"/>
         <a:ea typeface=""/>
         <a:cs typeface=""/>
         <a:font script="Jpan" typeface="ＭＳ Ｐゴシック"/>
@@ -7692,7 +8370,7 @@
         <a:font script="Geor" typeface="Sylfaen"/>
       </a:majorFont>
       <a:minorFont>
-        <a:latin typeface="맑은 고딕" panose="020F0502020204030204"/>
+        <a:latin typeface="맑은 고딕"/>
         <a:ea typeface=""/>
         <a:cs typeface=""/>
         <a:font script="Jpan" typeface="ＭＳ Ｐゴシック"/>
@@ -7869,7 +8547,7 @@
   <a:extraClrSchemeLst/>
   <a:extLst>
     <a:ext uri="{05A4C25C-085E-4340-85A3-A5531E510DB2}">
-      <thm15:themeFamily xmlns:thm15="http://schemas.microsoft.com/office/thememl/2012/main" name="Office Theme" id="{62F939B6-93AF-4DB8-9C6B-D6C7DFDC589F}" vid="{4A3C46E8-61CC-4603-A589-7422A47A8E4A}"/>
+      <thm15:themeFamily xmlns:thm15="http://schemas.microsoft.com/office/thememl/2012/main" xmlns="" name="Office Theme" id="{62F939B6-93AF-4DB8-9C6B-D6C7DFDC589F}" vid="{4A3C46E8-61CC-4603-A589-7422A47A8E4A}"/>
     </a:ext>
   </a:extLst>
 </a:theme>
@@ -7918,7 +8596,7 @@
     </a:clrScheme>
     <a:fontScheme name="Office">
       <a:majorFont>
-        <a:latin typeface="맑은 고딕" panose="020F0302020204030204"/>
+        <a:latin typeface="맑은 고딕"/>
         <a:ea typeface=""/>
         <a:cs typeface=""/>
         <a:font script="Jpan" typeface="ＭＳ Ｐゴシック"/>
@@ -7953,7 +8631,7 @@
         <a:font script="Geor" typeface="Sylfaen"/>
       </a:majorFont>
       <a:minorFont>
-        <a:latin typeface="맑은 고딕" panose="020F0502020204030204"/>
+        <a:latin typeface="맑은 고딕"/>
         <a:ea typeface=""/>
         <a:cs typeface=""/>
         <a:font script="Jpan" typeface="ＭＳ Ｐゴシック"/>
@@ -8130,7 +8808,7 @@
   <a:extraClrSchemeLst/>
   <a:extLst>
     <a:ext uri="{05A4C25C-085E-4340-85A3-A5531E510DB2}">
-      <thm15:themeFamily xmlns:thm15="http://schemas.microsoft.com/office/thememl/2012/main" name="Office Theme" id="{62F939B6-93AF-4DB8-9C6B-D6C7DFDC589F}" vid="{4A3C46E8-61CC-4603-A589-7422A47A8E4A}"/>
+      <thm15:themeFamily xmlns:thm15="http://schemas.microsoft.com/office/thememl/2012/main" xmlns="" name="Office Theme" id="{62F939B6-93AF-4DB8-9C6B-D6C7DFDC589F}" vid="{4A3C46E8-61CC-4603-A589-7422A47A8E4A}"/>
     </a:ext>
   </a:extLst>
 </a:theme>
